--- a/Presentationen/Defense_presentation.pptx
+++ b/Presentationen/Defense_presentation.pptx
@@ -5,34 +5,41 @@
     <p:sldMasterId id="2147483891" r:id="rId1"/>
   </p:sldMasterIdLst>
   <p:notesMasterIdLst>
-    <p:notesMasterId r:id="rId7"/>
+    <p:notesMasterId r:id="rId10"/>
   </p:notesMasterIdLst>
   <p:handoutMasterIdLst>
-    <p:handoutMasterId r:id="rId8"/>
+    <p:handoutMasterId r:id="rId11"/>
   </p:handoutMasterIdLst>
   <p:sldIdLst>
     <p:sldId id="256" r:id="rId2"/>
     <p:sldId id="264" r:id="rId3"/>
     <p:sldId id="271" r:id="rId4"/>
     <p:sldId id="272" r:id="rId5"/>
-    <p:sldId id="270" r:id="rId6"/>
+    <p:sldId id="274" r:id="rId6"/>
+    <p:sldId id="273" r:id="rId7"/>
+    <p:sldId id="275" r:id="rId8"/>
+    <p:sldId id="270" r:id="rId9"/>
   </p:sldIdLst>
   <p:sldSz cx="12192000" cy="6858000"/>
   <p:notesSz cx="6858000" cy="9144000"/>
   <p:embeddedFontLst>
     <p:embeddedFont>
       <p:font typeface="Open Sans" panose="020B0604020202020204" charset="0"/>
-      <p:regular r:id="rId9"/>
-      <p:bold r:id="rId10"/>
-      <p:italic r:id="rId11"/>
-      <p:boldItalic r:id="rId12"/>
+      <p:regular r:id="rId12"/>
+      <p:bold r:id="rId13"/>
+      <p:italic r:id="rId14"/>
+      <p:boldItalic r:id="rId15"/>
     </p:embeddedFont>
     <p:embeddedFont>
       <p:font typeface="Calibri" panose="020F0502020204030204" pitchFamily="34" charset="0"/>
-      <p:regular r:id="rId13"/>
-      <p:bold r:id="rId14"/>
-      <p:italic r:id="rId15"/>
-      <p:boldItalic r:id="rId16"/>
+      <p:regular r:id="rId16"/>
+      <p:bold r:id="rId17"/>
+      <p:italic r:id="rId18"/>
+      <p:boldItalic r:id="rId19"/>
+    </p:embeddedFont>
+    <p:embeddedFont>
+      <p:font typeface="Cambria Math" panose="02040503050406030204" pitchFamily="18" charset="0"/>
+      <p:regular r:id="rId20"/>
     </p:embeddedFont>
   </p:embeddedFontLst>
   <p:defaultTextStyle>
@@ -150,10 +157,15 @@
           </p14:sldIdLst>
         </p14:section>
         <p14:section name="mesh_dep + validation" id="{98804D22-D1A5-49F9-889D-B8D7BE782177}">
-          <p14:sldIdLst/>
+          <p14:sldIdLst>
+            <p14:sldId id="274"/>
+            <p14:sldId id="273"/>
+          </p14:sldIdLst>
         </p14:section>
         <p14:section name="results" id="{59834961-E1E2-4803-BDC0-156AB703C88C}">
-          <p14:sldIdLst/>
+          <p14:sldIdLst>
+            <p14:sldId id="275"/>
+          </p14:sldIdLst>
         </p14:section>
         <p14:section name="end + appendix" id="{9E2C446E-88C2-4D58-B199-96CE045F8F6C}">
           <p14:sldIdLst>
@@ -263,7 +275,7 @@
           <a:p>
             <a:fld id="{C6AC6211-610F-44E5-BF19-D3CDF6EDD281}" type="datetimeFigureOut">
               <a:rPr lang="de-DE" smtClean="0"/>
-              <a:t>03.02.2023</a:t>
+              <a:t>10.02.2023</a:t>
             </a:fld>
             <a:endParaRPr lang="de-DE"/>
           </a:p>
@@ -429,7 +441,7 @@
           <a:p>
             <a:fld id="{347435D3-23A6-45D3-8DFA-7317DC1E7A64}" type="datetimeFigureOut">
               <a:rPr lang="de-DE" smtClean="0"/>
-              <a:t>03.02.2023</a:t>
+              <a:t>10.02.2023</a:t>
             </a:fld>
             <a:endParaRPr lang="de-DE"/>
           </a:p>
@@ -6119,7 +6131,6 @@
               <a:rPr lang="de-DE" dirty="0"/>
               <a:t>x</a:t>
             </a:r>
-            <a:endParaRPr lang="de-DE" dirty="0"/>
           </a:p>
         </p:txBody>
       </p:sp>
@@ -6149,7 +6160,6 @@
               <a:rPr lang="de-DE" dirty="0"/>
               <a:t>r</a:t>
             </a:r>
-            <a:endParaRPr lang="de-DE" dirty="0"/>
           </a:p>
         </p:txBody>
       </p:sp>
@@ -7464,6 +7474,1358 @@
       </p:grpSpPr>
       <p:sp>
         <p:nvSpPr>
+          <p:cNvPr id="2" name="Title 1"/>
+          <p:cNvSpPr>
+            <a:spLocks noGrp="1"/>
+          </p:cNvSpPr>
+          <p:nvPr>
+            <p:ph type="title"/>
+          </p:nvPr>
+        </p:nvSpPr>
+        <p:spPr/>
+        <p:txBody>
+          <a:bodyPr/>
+          <a:lstStyle/>
+          <a:p>
+            <a:r>
+              <a:rPr lang="en-GB" dirty="0" smtClean="0"/>
+              <a:t>Experimental setup</a:t>
+            </a:r>
+            <a:endParaRPr lang="en-GB" dirty="0"/>
+          </a:p>
+        </p:txBody>
+      </p:sp>
+      <p:pic>
+        <p:nvPicPr>
+          <p:cNvPr id="5" name="Picture 4"/>
+          <p:cNvPicPr>
+            <a:picLocks noChangeAspect="1"/>
+          </p:cNvPicPr>
+          <p:nvPr/>
+        </p:nvPicPr>
+        <p:blipFill>
+          <a:blip r:embed="rId2">
+            <a:extLst>
+              <a:ext uri="{28A0092B-C50C-407E-A947-70E740481C1C}">
+                <a14:useLocalDpi xmlns:a14="http://schemas.microsoft.com/office/drawing/2010/main" val="0"/>
+              </a:ext>
+            </a:extLst>
+          </a:blip>
+          <a:stretch>
+            <a:fillRect/>
+          </a:stretch>
+        </p:blipFill>
+        <p:spPr>
+          <a:xfrm>
+            <a:off x="4789227" y="930036"/>
+            <a:ext cx="6462127" cy="2493684"/>
+          </a:xfrm>
+          <a:prstGeom prst="rect">
+            <a:avLst/>
+          </a:prstGeom>
+        </p:spPr>
+      </p:pic>
+      <mc:AlternateContent xmlns:mc="http://schemas.openxmlformats.org/markup-compatibility/2006">
+        <mc:Choice xmlns:a14="http://schemas.microsoft.com/office/drawing/2010/main" Requires="a14">
+          <p:sp>
+            <p:nvSpPr>
+              <p:cNvPr id="3" name="Text Placeholder 2"/>
+              <p:cNvSpPr>
+                <a:spLocks noGrp="1"/>
+              </p:cNvSpPr>
+              <p:nvPr>
+                <p:ph type="body" sz="quarter" idx="10"/>
+              </p:nvPr>
+            </p:nvSpPr>
+            <p:spPr>
+              <a:xfrm>
+                <a:off x="874713" y="1484314"/>
+                <a:ext cx="3978641" cy="4344985"/>
+              </a:xfrm>
+            </p:spPr>
+            <p:txBody>
+              <a:bodyPr/>
+              <a:lstStyle/>
+              <a:p>
+                <a:pPr marL="285750" indent="-285750">
+                  <a:buFont typeface="Arial" panose="020B0604020202020204" pitchFamily="34" charset="0"/>
+                  <a:buChar char="•"/>
+                </a:pPr>
+                <a:r>
+                  <a:rPr lang="en-GB" dirty="0" smtClean="0"/>
+                  <a:t>Hele-Shaw-Cell with</a:t>
+                </a:r>
+              </a:p>
+              <a:p>
+                <a:pPr marL="681692" lvl="1" indent="-285750">
+                  <a:buFont typeface="Arial" panose="020B0604020202020204" pitchFamily="34" charset="0"/>
+                  <a:buChar char="•"/>
+                </a:pPr>
+                <a:r>
+                  <a:rPr lang="en-GB" dirty="0" smtClean="0"/>
+                  <a:t>0.2mm gap height</a:t>
+                </a:r>
+              </a:p>
+              <a:p>
+                <a:pPr marL="681692" lvl="1" indent="-285750">
+                  <a:buFont typeface="Arial" panose="020B0604020202020204" pitchFamily="34" charset="0"/>
+                  <a:buChar char="•"/>
+                </a:pPr>
+                <a:r>
+                  <a:rPr lang="en-GB" dirty="0" smtClean="0"/>
+                  <a:t>80mm radius</a:t>
+                </a:r>
+              </a:p>
+              <a:p>
+                <a:pPr marL="681692" lvl="1" indent="-285750">
+                  <a:buFont typeface="Arial" panose="020B0604020202020204" pitchFamily="34" charset="0"/>
+                  <a:buChar char="•"/>
+                </a:pPr>
+                <a:endParaRPr lang="en-GB" dirty="0" smtClean="0"/>
+              </a:p>
+              <a:p>
+                <a:pPr marL="285750" indent="-285750">
+                  <a:buFont typeface="Arial" panose="020B0604020202020204" pitchFamily="34" charset="0"/>
+                  <a:buChar char="•"/>
+                </a:pPr>
+                <a:endParaRPr lang="en-GB" dirty="0"/>
+              </a:p>
+              <a:p>
+                <a:pPr marL="285750" indent="-285750">
+                  <a:buFont typeface="Arial" panose="020B0604020202020204" pitchFamily="34" charset="0"/>
+                  <a:buChar char="•"/>
+                </a:pPr>
+                <a:endParaRPr lang="en-GB" dirty="0" smtClean="0"/>
+              </a:p>
+              <a:p>
+                <a:pPr marL="285750" indent="-285750">
+                  <a:buFont typeface="Arial" panose="020B0604020202020204" pitchFamily="34" charset="0"/>
+                  <a:buChar char="•"/>
+                </a:pPr>
+                <a:r>
+                  <a:rPr lang="en-GB" dirty="0" smtClean="0"/>
+                  <a:t>Reaction</a:t>
+                </a:r>
+              </a:p>
+              <a:p>
+                <a:r>
+                  <a:rPr lang="en-GB" dirty="0" smtClean="0"/>
+                  <a:t>	</a:t>
+                </a:r>
+                <a14:m>
+                  <m:oMath xmlns:m="http://schemas.openxmlformats.org/officeDocument/2006/math">
+                    <m:sSup>
+                      <m:sSupPr>
+                        <m:ctrlPr>
+                          <a:rPr lang="de-DE" b="0" i="0" smtClean="0">
+                            <a:latin typeface="Cambria Math" panose="02040503050406030204" pitchFamily="18" charset="0"/>
+                          </a:rPr>
+                        </m:ctrlPr>
+                      </m:sSupPr>
+                      <m:e>
+                        <m:r>
+                          <m:rPr>
+                            <m:sty m:val="p"/>
+                          </m:rPr>
+                          <a:rPr lang="de-DE" b="0" i="0" smtClean="0">
+                            <a:latin typeface="Cambria Math" panose="02040503050406030204" pitchFamily="18" charset="0"/>
+                          </a:rPr>
+                          <m:t>SCN</m:t>
+                        </m:r>
+                      </m:e>
+                      <m:sup>
+                        <m:r>
+                          <a:rPr lang="de-DE" b="0" i="0" smtClean="0">
+                            <a:latin typeface="Cambria Math" panose="02040503050406030204" pitchFamily="18" charset="0"/>
+                          </a:rPr>
+                          <m:t>−</m:t>
+                        </m:r>
+                      </m:sup>
+                    </m:sSup>
+                    <m:r>
+                      <a:rPr lang="de-DE" b="0" i="0" smtClean="0">
+                        <a:latin typeface="Cambria Math" panose="02040503050406030204" pitchFamily="18" charset="0"/>
+                      </a:rPr>
+                      <m:t>+</m:t>
+                    </m:r>
+                    <m:sSup>
+                      <m:sSupPr>
+                        <m:ctrlPr>
+                          <a:rPr lang="de-DE" b="0" i="0" smtClean="0">
+                            <a:latin typeface="Cambria Math" panose="02040503050406030204" pitchFamily="18" charset="0"/>
+                          </a:rPr>
+                        </m:ctrlPr>
+                      </m:sSupPr>
+                      <m:e>
+                        <m:r>
+                          <m:rPr>
+                            <m:sty m:val="p"/>
+                          </m:rPr>
+                          <a:rPr lang="de-DE" b="0" i="0" smtClean="0">
+                            <a:latin typeface="Cambria Math" panose="02040503050406030204" pitchFamily="18" charset="0"/>
+                          </a:rPr>
+                          <m:t>Fe</m:t>
+                        </m:r>
+                      </m:e>
+                      <m:sup>
+                        <m:r>
+                          <a:rPr lang="de-DE" b="0" i="0" smtClean="0">
+                            <a:latin typeface="Cambria Math" panose="02040503050406030204" pitchFamily="18" charset="0"/>
+                          </a:rPr>
+                          <m:t>3+</m:t>
+                        </m:r>
+                      </m:sup>
+                    </m:sSup>
+                    <m:r>
+                      <a:rPr lang="de-DE" b="0" i="1" smtClean="0">
+                        <a:latin typeface="Cambria Math" panose="02040503050406030204" pitchFamily="18" charset="0"/>
+                      </a:rPr>
+                      <m:t> </m:t>
+                    </m:r>
+                    <m:r>
+                      <a:rPr lang="de-DE" b="0" i="1" smtClean="0">
+                        <a:latin typeface="Cambria Math" panose="02040503050406030204" pitchFamily="18" charset="0"/>
+                        <a:ea typeface="Cambria Math" panose="02040503050406030204" pitchFamily="18" charset="0"/>
+                      </a:rPr>
+                      <m:t>→</m:t>
+                    </m:r>
+                    <m:r>
+                      <a:rPr lang="de-DE" b="0" i="1" smtClean="0">
+                        <a:latin typeface="Cambria Math" panose="02040503050406030204" pitchFamily="18" charset="0"/>
+                        <a:ea typeface="Cambria Math" panose="02040503050406030204" pitchFamily="18" charset="0"/>
+                      </a:rPr>
+                      <m:t>𝐹𝑒𝑆𝐶</m:t>
+                    </m:r>
+                    <m:sSup>
+                      <m:sSupPr>
+                        <m:ctrlPr>
+                          <a:rPr lang="de-DE" b="0" i="1" smtClean="0">
+                            <a:latin typeface="Cambria Math" panose="02040503050406030204" pitchFamily="18" charset="0"/>
+                            <a:ea typeface="Cambria Math" panose="02040503050406030204" pitchFamily="18" charset="0"/>
+                          </a:rPr>
+                        </m:ctrlPr>
+                      </m:sSupPr>
+                      <m:e>
+                        <m:r>
+                          <a:rPr lang="de-DE" b="0" i="1" smtClean="0">
+                            <a:latin typeface="Cambria Math" panose="02040503050406030204" pitchFamily="18" charset="0"/>
+                            <a:ea typeface="Cambria Math" panose="02040503050406030204" pitchFamily="18" charset="0"/>
+                          </a:rPr>
+                          <m:t>𝑁</m:t>
+                        </m:r>
+                      </m:e>
+                      <m:sup>
+                        <m:r>
+                          <a:rPr lang="de-DE" b="0" i="1" smtClean="0">
+                            <a:latin typeface="Cambria Math" panose="02040503050406030204" pitchFamily="18" charset="0"/>
+                            <a:ea typeface="Cambria Math" panose="02040503050406030204" pitchFamily="18" charset="0"/>
+                          </a:rPr>
+                          <m:t>2+</m:t>
+                        </m:r>
+                      </m:sup>
+                    </m:sSup>
+                  </m:oMath>
+                </a14:m>
+                <a:endParaRPr lang="en-GB" dirty="0" smtClean="0"/>
+              </a:p>
+            </p:txBody>
+          </p:sp>
+        </mc:Choice>
+        <mc:Fallback>
+          <p:sp>
+            <p:nvSpPr>
+              <p:cNvPr id="3" name="Text Placeholder 2"/>
+              <p:cNvSpPr>
+                <a:spLocks noGrp="1" noRot="1" noChangeAspect="1" noMove="1" noResize="1" noEditPoints="1" noAdjustHandles="1" noChangeArrowheads="1" noChangeShapeType="1" noTextEdit="1"/>
+              </p:cNvSpPr>
+              <p:nvPr>
+                <p:ph type="body" sz="quarter" idx="10"/>
+              </p:nvPr>
+            </p:nvSpPr>
+            <p:spPr>
+              <a:xfrm>
+                <a:off x="874713" y="1484314"/>
+                <a:ext cx="3978641" cy="4344985"/>
+              </a:xfrm>
+              <a:blipFill>
+                <a:blip r:embed="rId3"/>
+                <a:stretch>
+                  <a:fillRect l="-2910" t="-1403"/>
+                </a:stretch>
+              </a:blipFill>
+            </p:spPr>
+            <p:txBody>
+              <a:bodyPr/>
+              <a:lstStyle/>
+              <a:p>
+                <a:r>
+                  <a:rPr lang="en-GB">
+                    <a:noFill/>
+                  </a:rPr>
+                  <a:t> </a:t>
+                </a:r>
+              </a:p>
+            </p:txBody>
+          </p:sp>
+        </mc:Fallback>
+      </mc:AlternateContent>
+      <p:grpSp>
+        <p:nvGrpSpPr>
+          <p:cNvPr id="43" name="Group 42"/>
+          <p:cNvGrpSpPr/>
+          <p:nvPr/>
+        </p:nvGrpSpPr>
+        <p:grpSpPr>
+          <a:xfrm>
+            <a:off x="6318737" y="2176877"/>
+            <a:ext cx="3802185" cy="1004568"/>
+            <a:chOff x="6318737" y="3263212"/>
+            <a:chExt cx="3802185" cy="1004568"/>
+          </a:xfrm>
+        </p:grpSpPr>
+        <p:cxnSp>
+          <p:nvCxnSpPr>
+            <p:cNvPr id="7" name="Straight Arrow Connector 6"/>
+            <p:cNvCxnSpPr/>
+            <p:nvPr/>
+          </p:nvCxnSpPr>
+          <p:spPr>
+            <a:xfrm flipV="1">
+              <a:off x="8112372" y="3899879"/>
+              <a:ext cx="0" cy="367901"/>
+            </a:xfrm>
+            <a:prstGeom prst="straightConnector1">
+              <a:avLst/>
+            </a:prstGeom>
+            <a:ln>
+              <a:tailEnd type="triangle"/>
+            </a:ln>
+          </p:spPr>
+          <p:style>
+            <a:lnRef idx="1">
+              <a:schemeClr val="accent1"/>
+            </a:lnRef>
+            <a:fillRef idx="0">
+              <a:schemeClr val="accent1"/>
+            </a:fillRef>
+            <a:effectRef idx="0">
+              <a:schemeClr val="accent1"/>
+            </a:effectRef>
+            <a:fontRef idx="minor">
+              <a:schemeClr val="tx1"/>
+            </a:fontRef>
+          </p:style>
+        </p:cxnSp>
+        <p:cxnSp>
+          <p:nvCxnSpPr>
+            <p:cNvPr id="31" name="Straight Arrow Connector 30"/>
+            <p:cNvCxnSpPr/>
+            <p:nvPr/>
+          </p:nvCxnSpPr>
+          <p:spPr>
+            <a:xfrm flipH="1" flipV="1">
+              <a:off x="7534030" y="3724609"/>
+              <a:ext cx="425941" cy="1"/>
+            </a:xfrm>
+            <a:prstGeom prst="straightConnector1">
+              <a:avLst/>
+            </a:prstGeom>
+            <a:ln>
+              <a:tailEnd type="triangle"/>
+            </a:ln>
+          </p:spPr>
+          <p:style>
+            <a:lnRef idx="1">
+              <a:schemeClr val="accent1"/>
+            </a:lnRef>
+            <a:fillRef idx="0">
+              <a:schemeClr val="accent1"/>
+            </a:fillRef>
+            <a:effectRef idx="0">
+              <a:schemeClr val="accent1"/>
+            </a:effectRef>
+            <a:fontRef idx="minor">
+              <a:schemeClr val="tx1"/>
+            </a:fontRef>
+          </p:style>
+        </p:cxnSp>
+        <p:cxnSp>
+          <p:nvCxnSpPr>
+            <p:cNvPr id="33" name="Straight Arrow Connector 32"/>
+            <p:cNvCxnSpPr/>
+            <p:nvPr/>
+          </p:nvCxnSpPr>
+          <p:spPr>
+            <a:xfrm flipV="1">
+              <a:off x="8112372" y="3724610"/>
+              <a:ext cx="506045" cy="1"/>
+            </a:xfrm>
+            <a:prstGeom prst="straightConnector1">
+              <a:avLst/>
+            </a:prstGeom>
+            <a:ln>
+              <a:tailEnd type="triangle"/>
+            </a:ln>
+          </p:spPr>
+          <p:style>
+            <a:lnRef idx="1">
+              <a:schemeClr val="accent1"/>
+            </a:lnRef>
+            <a:fillRef idx="0">
+              <a:schemeClr val="accent1"/>
+            </a:fillRef>
+            <a:effectRef idx="0">
+              <a:schemeClr val="accent1"/>
+            </a:effectRef>
+            <a:fontRef idx="minor">
+              <a:schemeClr val="tx1"/>
+            </a:fontRef>
+          </p:style>
+        </p:cxnSp>
+        <p:cxnSp>
+          <p:nvCxnSpPr>
+            <p:cNvPr id="35" name="Straight Arrow Connector 34"/>
+            <p:cNvCxnSpPr/>
+            <p:nvPr/>
+          </p:nvCxnSpPr>
+          <p:spPr>
+            <a:xfrm flipV="1">
+              <a:off x="9096687" y="3724609"/>
+              <a:ext cx="313036" cy="4"/>
+            </a:xfrm>
+            <a:prstGeom prst="straightConnector1">
+              <a:avLst/>
+            </a:prstGeom>
+            <a:ln>
+              <a:tailEnd type="triangle"/>
+            </a:ln>
+          </p:spPr>
+          <p:style>
+            <a:lnRef idx="1">
+              <a:schemeClr val="accent1"/>
+            </a:lnRef>
+            <a:fillRef idx="0">
+              <a:schemeClr val="accent1"/>
+            </a:fillRef>
+            <a:effectRef idx="0">
+              <a:schemeClr val="accent1"/>
+            </a:effectRef>
+            <a:fontRef idx="minor">
+              <a:schemeClr val="tx1"/>
+            </a:fontRef>
+          </p:style>
+        </p:cxnSp>
+        <p:cxnSp>
+          <p:nvCxnSpPr>
+            <p:cNvPr id="36" name="Straight Arrow Connector 35"/>
+            <p:cNvCxnSpPr/>
+            <p:nvPr/>
+          </p:nvCxnSpPr>
+          <p:spPr>
+            <a:xfrm flipH="1">
+              <a:off x="6596183" y="3724612"/>
+              <a:ext cx="328246" cy="0"/>
+            </a:xfrm>
+            <a:prstGeom prst="straightConnector1">
+              <a:avLst/>
+            </a:prstGeom>
+            <a:ln>
+              <a:tailEnd type="triangle"/>
+            </a:ln>
+          </p:spPr>
+          <p:style>
+            <a:lnRef idx="1">
+              <a:schemeClr val="accent1"/>
+            </a:lnRef>
+            <a:fillRef idx="0">
+              <a:schemeClr val="accent1"/>
+            </a:fillRef>
+            <a:effectRef idx="0">
+              <a:schemeClr val="accent1"/>
+            </a:effectRef>
+            <a:fontRef idx="minor">
+              <a:schemeClr val="tx1"/>
+            </a:fontRef>
+          </p:style>
+        </p:cxnSp>
+        <p:cxnSp>
+          <p:nvCxnSpPr>
+            <p:cNvPr id="40" name="Straight Arrow Connector 39"/>
+            <p:cNvCxnSpPr/>
+            <p:nvPr/>
+          </p:nvCxnSpPr>
+          <p:spPr>
+            <a:xfrm flipV="1">
+              <a:off x="6318737" y="3263213"/>
+              <a:ext cx="0" cy="296987"/>
+            </a:xfrm>
+            <a:prstGeom prst="straightConnector1">
+              <a:avLst/>
+            </a:prstGeom>
+            <a:ln>
+              <a:tailEnd type="triangle"/>
+            </a:ln>
+          </p:spPr>
+          <p:style>
+            <a:lnRef idx="1">
+              <a:schemeClr val="accent1"/>
+            </a:lnRef>
+            <a:fillRef idx="0">
+              <a:schemeClr val="accent1"/>
+            </a:fillRef>
+            <a:effectRef idx="0">
+              <a:schemeClr val="accent1"/>
+            </a:effectRef>
+            <a:fontRef idx="minor">
+              <a:schemeClr val="tx1"/>
+            </a:fontRef>
+          </p:style>
+        </p:cxnSp>
+        <p:cxnSp>
+          <p:nvCxnSpPr>
+            <p:cNvPr id="42" name="Straight Arrow Connector 41"/>
+            <p:cNvCxnSpPr/>
+            <p:nvPr/>
+          </p:nvCxnSpPr>
+          <p:spPr>
+            <a:xfrm flipV="1">
+              <a:off x="10120922" y="3263212"/>
+              <a:ext cx="0" cy="296987"/>
+            </a:xfrm>
+            <a:prstGeom prst="straightConnector1">
+              <a:avLst/>
+            </a:prstGeom>
+            <a:ln>
+              <a:tailEnd type="triangle"/>
+            </a:ln>
+          </p:spPr>
+          <p:style>
+            <a:lnRef idx="1">
+              <a:schemeClr val="accent1"/>
+            </a:lnRef>
+            <a:fillRef idx="0">
+              <a:schemeClr val="accent1"/>
+            </a:fillRef>
+            <a:effectRef idx="0">
+              <a:schemeClr val="accent1"/>
+            </a:effectRef>
+            <a:fontRef idx="minor">
+              <a:schemeClr val="tx1"/>
+            </a:fontRef>
+          </p:style>
+        </p:cxnSp>
+      </p:grpSp>
+      <p:pic>
+        <p:nvPicPr>
+          <p:cNvPr id="44" name="Picture 43"/>
+          <p:cNvPicPr>
+            <a:picLocks noChangeAspect="1"/>
+          </p:cNvPicPr>
+          <p:nvPr/>
+        </p:nvPicPr>
+        <p:blipFill rotWithShape="1">
+          <a:blip r:embed="rId4" cstate="print">
+            <a:extLst>
+              <a:ext uri="{28A0092B-C50C-407E-A947-70E740481C1C}">
+                <a14:useLocalDpi xmlns:a14="http://schemas.microsoft.com/office/drawing/2010/main" val="0"/>
+              </a:ext>
+            </a:extLst>
+          </a:blip>
+          <a:srcRect l="6054" t="14007" r="71676" b="52455"/>
+          <a:stretch/>
+        </p:blipFill>
+        <p:spPr>
+          <a:xfrm>
+            <a:off x="6924429" y="3749931"/>
+            <a:ext cx="1831763" cy="1908088"/>
+          </a:xfrm>
+          <a:prstGeom prst="rect">
+            <a:avLst/>
+          </a:prstGeom>
+        </p:spPr>
+      </p:pic>
+    </p:spTree>
+    <p:extLst>
+      <p:ext uri="{BB962C8B-B14F-4D97-AF65-F5344CB8AC3E}">
+        <p14:creationId xmlns:p14="http://schemas.microsoft.com/office/powerpoint/2010/main" val="1077671426"/>
+      </p:ext>
+    </p:extLst>
+  </p:cSld>
+  <p:clrMapOvr>
+    <a:masterClrMapping/>
+  </p:clrMapOvr>
+  <p:timing>
+    <p:tnLst>
+      <p:par>
+        <p:cTn id="1" dur="indefinite" restart="never" nodeType="tmRoot">
+          <p:childTnLst>
+            <p:seq concurrent="1" nextAc="seek">
+              <p:cTn id="2" dur="indefinite" nodeType="mainSeq">
+                <p:childTnLst>
+                  <p:par>
+                    <p:cTn id="3" fill="hold">
+                      <p:stCondLst>
+                        <p:cond delay="indefinite"/>
+                      </p:stCondLst>
+                      <p:childTnLst>
+                        <p:par>
+                          <p:cTn id="4" fill="hold">
+                            <p:stCondLst>
+                              <p:cond delay="0"/>
+                            </p:stCondLst>
+                            <p:childTnLst>
+                              <p:par>
+                                <p:cTn id="5" presetID="1" presetClass="entr" presetSubtype="0" fill="hold" grpId="0" nodeType="clickEffect">
+                                  <p:stCondLst>
+                                    <p:cond delay="0"/>
+                                  </p:stCondLst>
+                                  <p:childTnLst>
+                                    <p:set>
+                                      <p:cBhvr>
+                                        <p:cTn id="6" dur="1" fill="hold">
+                                          <p:stCondLst>
+                                            <p:cond delay="0"/>
+                                          </p:stCondLst>
+                                        </p:cTn>
+                                        <p:tgtEl>
+                                          <p:spTgt spid="3">
+                                            <p:txEl>
+                                              <p:pRg st="0" end="0"/>
+                                            </p:txEl>
+                                          </p:spTgt>
+                                        </p:tgtEl>
+                                        <p:attrNameLst>
+                                          <p:attrName>style.visibility</p:attrName>
+                                        </p:attrNameLst>
+                                      </p:cBhvr>
+                                      <p:to>
+                                        <p:strVal val="visible"/>
+                                      </p:to>
+                                    </p:set>
+                                  </p:childTnLst>
+                                </p:cTn>
+                              </p:par>
+                              <p:par>
+                                <p:cTn id="7" presetID="1" presetClass="entr" presetSubtype="0" fill="hold" grpId="0" nodeType="withEffect">
+                                  <p:stCondLst>
+                                    <p:cond delay="0"/>
+                                  </p:stCondLst>
+                                  <p:childTnLst>
+                                    <p:set>
+                                      <p:cBhvr>
+                                        <p:cTn id="8" dur="1" fill="hold">
+                                          <p:stCondLst>
+                                            <p:cond delay="0"/>
+                                          </p:stCondLst>
+                                        </p:cTn>
+                                        <p:tgtEl>
+                                          <p:spTgt spid="3">
+                                            <p:txEl>
+                                              <p:pRg st="1" end="1"/>
+                                            </p:txEl>
+                                          </p:spTgt>
+                                        </p:tgtEl>
+                                        <p:attrNameLst>
+                                          <p:attrName>style.visibility</p:attrName>
+                                        </p:attrNameLst>
+                                      </p:cBhvr>
+                                      <p:to>
+                                        <p:strVal val="visible"/>
+                                      </p:to>
+                                    </p:set>
+                                  </p:childTnLst>
+                                </p:cTn>
+                              </p:par>
+                              <p:par>
+                                <p:cTn id="9" presetID="1" presetClass="entr" presetSubtype="0" fill="hold" grpId="0" nodeType="withEffect">
+                                  <p:stCondLst>
+                                    <p:cond delay="0"/>
+                                  </p:stCondLst>
+                                  <p:childTnLst>
+                                    <p:set>
+                                      <p:cBhvr>
+                                        <p:cTn id="10" dur="1" fill="hold">
+                                          <p:stCondLst>
+                                            <p:cond delay="0"/>
+                                          </p:stCondLst>
+                                        </p:cTn>
+                                        <p:tgtEl>
+                                          <p:spTgt spid="3">
+                                            <p:txEl>
+                                              <p:pRg st="2" end="2"/>
+                                            </p:txEl>
+                                          </p:spTgt>
+                                        </p:tgtEl>
+                                        <p:attrNameLst>
+                                          <p:attrName>style.visibility</p:attrName>
+                                        </p:attrNameLst>
+                                      </p:cBhvr>
+                                      <p:to>
+                                        <p:strVal val="visible"/>
+                                      </p:to>
+                                    </p:set>
+                                  </p:childTnLst>
+                                </p:cTn>
+                              </p:par>
+                            </p:childTnLst>
+                          </p:cTn>
+                        </p:par>
+                      </p:childTnLst>
+                    </p:cTn>
+                  </p:par>
+                  <p:par>
+                    <p:cTn id="11" fill="hold">
+                      <p:stCondLst>
+                        <p:cond delay="indefinite"/>
+                      </p:stCondLst>
+                      <p:childTnLst>
+                        <p:par>
+                          <p:cTn id="12" fill="hold">
+                            <p:stCondLst>
+                              <p:cond delay="0"/>
+                            </p:stCondLst>
+                            <p:childTnLst>
+                              <p:par>
+                                <p:cTn id="13" presetID="1" presetClass="entr" presetSubtype="0" fill="hold" grpId="0" nodeType="clickEffect">
+                                  <p:stCondLst>
+                                    <p:cond delay="0"/>
+                                  </p:stCondLst>
+                                  <p:childTnLst>
+                                    <p:set>
+                                      <p:cBhvr>
+                                        <p:cTn id="14" dur="1" fill="hold">
+                                          <p:stCondLst>
+                                            <p:cond delay="0"/>
+                                          </p:stCondLst>
+                                        </p:cTn>
+                                        <p:tgtEl>
+                                          <p:spTgt spid="3">
+                                            <p:txEl>
+                                              <p:pRg st="6" end="6"/>
+                                            </p:txEl>
+                                          </p:spTgt>
+                                        </p:tgtEl>
+                                        <p:attrNameLst>
+                                          <p:attrName>style.visibility</p:attrName>
+                                        </p:attrNameLst>
+                                      </p:cBhvr>
+                                      <p:to>
+                                        <p:strVal val="visible"/>
+                                      </p:to>
+                                    </p:set>
+                                  </p:childTnLst>
+                                </p:cTn>
+                              </p:par>
+                            </p:childTnLst>
+                          </p:cTn>
+                        </p:par>
+                      </p:childTnLst>
+                    </p:cTn>
+                  </p:par>
+                  <p:par>
+                    <p:cTn id="15" fill="hold">
+                      <p:stCondLst>
+                        <p:cond delay="indefinite"/>
+                      </p:stCondLst>
+                      <p:childTnLst>
+                        <p:par>
+                          <p:cTn id="16" fill="hold">
+                            <p:stCondLst>
+                              <p:cond delay="0"/>
+                            </p:stCondLst>
+                            <p:childTnLst>
+                              <p:par>
+                                <p:cTn id="17" presetID="1" presetClass="entr" presetSubtype="0" fill="hold" grpId="0" nodeType="clickEffect">
+                                  <p:stCondLst>
+                                    <p:cond delay="0"/>
+                                  </p:stCondLst>
+                                  <p:childTnLst>
+                                    <p:set>
+                                      <p:cBhvr>
+                                        <p:cTn id="18" dur="1" fill="hold">
+                                          <p:stCondLst>
+                                            <p:cond delay="0"/>
+                                          </p:stCondLst>
+                                        </p:cTn>
+                                        <p:tgtEl>
+                                          <p:spTgt spid="3">
+                                            <p:txEl>
+                                              <p:pRg st="7" end="7"/>
+                                            </p:txEl>
+                                          </p:spTgt>
+                                        </p:tgtEl>
+                                        <p:attrNameLst>
+                                          <p:attrName>style.visibility</p:attrName>
+                                        </p:attrNameLst>
+                                      </p:cBhvr>
+                                      <p:to>
+                                        <p:strVal val="visible"/>
+                                      </p:to>
+                                    </p:set>
+                                  </p:childTnLst>
+                                </p:cTn>
+                              </p:par>
+                              <p:par>
+                                <p:cTn id="19" presetID="1" presetClass="entr" presetSubtype="0" fill="hold" nodeType="withEffect">
+                                  <p:stCondLst>
+                                    <p:cond delay="0"/>
+                                  </p:stCondLst>
+                                  <p:childTnLst>
+                                    <p:set>
+                                      <p:cBhvr>
+                                        <p:cTn id="20" dur="1" fill="hold">
+                                          <p:stCondLst>
+                                            <p:cond delay="0"/>
+                                          </p:stCondLst>
+                                        </p:cTn>
+                                        <p:tgtEl>
+                                          <p:spTgt spid="5"/>
+                                        </p:tgtEl>
+                                        <p:attrNameLst>
+                                          <p:attrName>style.visibility</p:attrName>
+                                        </p:attrNameLst>
+                                      </p:cBhvr>
+                                      <p:to>
+                                        <p:strVal val="visible"/>
+                                      </p:to>
+                                    </p:set>
+                                  </p:childTnLst>
+                                </p:cTn>
+                              </p:par>
+                            </p:childTnLst>
+                          </p:cTn>
+                        </p:par>
+                      </p:childTnLst>
+                    </p:cTn>
+                  </p:par>
+                  <p:par>
+                    <p:cTn id="21" fill="hold">
+                      <p:stCondLst>
+                        <p:cond delay="indefinite"/>
+                      </p:stCondLst>
+                      <p:childTnLst>
+                        <p:par>
+                          <p:cTn id="22" fill="hold">
+                            <p:stCondLst>
+                              <p:cond delay="0"/>
+                            </p:stCondLst>
+                            <p:childTnLst>
+                              <p:par>
+                                <p:cTn id="23" presetID="1" presetClass="entr" presetSubtype="0" fill="hold" nodeType="clickEffect">
+                                  <p:stCondLst>
+                                    <p:cond delay="0"/>
+                                  </p:stCondLst>
+                                  <p:childTnLst>
+                                    <p:set>
+                                      <p:cBhvr>
+                                        <p:cTn id="24" dur="1" fill="hold">
+                                          <p:stCondLst>
+                                            <p:cond delay="0"/>
+                                          </p:stCondLst>
+                                        </p:cTn>
+                                        <p:tgtEl>
+                                          <p:spTgt spid="43"/>
+                                        </p:tgtEl>
+                                        <p:attrNameLst>
+                                          <p:attrName>style.visibility</p:attrName>
+                                        </p:attrNameLst>
+                                      </p:cBhvr>
+                                      <p:to>
+                                        <p:strVal val="visible"/>
+                                      </p:to>
+                                    </p:set>
+                                  </p:childTnLst>
+                                </p:cTn>
+                              </p:par>
+                            </p:childTnLst>
+                          </p:cTn>
+                        </p:par>
+                      </p:childTnLst>
+                    </p:cTn>
+                  </p:par>
+                </p:childTnLst>
+              </p:cTn>
+              <p:prevCondLst>
+                <p:cond evt="onPrev" delay="0">
+                  <p:tgtEl>
+                    <p:sldTgt/>
+                  </p:tgtEl>
+                </p:cond>
+              </p:prevCondLst>
+              <p:nextCondLst>
+                <p:cond evt="onNext" delay="0">
+                  <p:tgtEl>
+                    <p:sldTgt/>
+                  </p:tgtEl>
+                </p:cond>
+              </p:nextCondLst>
+            </p:seq>
+          </p:childTnLst>
+        </p:cTn>
+      </p:par>
+    </p:tnLst>
+    <p:bldLst>
+      <p:bldP spid="3" grpId="0" uiExpand="1" build="p"/>
+    </p:bldLst>
+  </p:timing>
+</p:sld>
+</file>
+
+<file path=ppt/slides/slide6.xml><?xml version="1.0" encoding="utf-8"?>
+<p:sld xmlns:a="http://schemas.openxmlformats.org/drawingml/2006/main" xmlns:r="http://schemas.openxmlformats.org/officeDocument/2006/relationships" xmlns:p="http://schemas.openxmlformats.org/presentationml/2006/main">
+  <p:cSld>
+    <p:spTree>
+      <p:nvGrpSpPr>
+        <p:cNvPr id="1" name=""/>
+        <p:cNvGrpSpPr/>
+        <p:nvPr/>
+      </p:nvGrpSpPr>
+      <p:grpSpPr>
+        <a:xfrm>
+          <a:off x="0" y="0"/>
+          <a:ext cx="0" cy="0"/>
+          <a:chOff x="0" y="0"/>
+          <a:chExt cx="0" cy="0"/>
+        </a:xfrm>
+      </p:grpSpPr>
+      <p:sp>
+        <p:nvSpPr>
+          <p:cNvPr id="2" name="Title 1"/>
+          <p:cNvSpPr>
+            <a:spLocks noGrp="1"/>
+          </p:cNvSpPr>
+          <p:nvPr>
+            <p:ph type="title"/>
+          </p:nvPr>
+        </p:nvSpPr>
+        <p:spPr/>
+        <p:txBody>
+          <a:bodyPr/>
+          <a:lstStyle/>
+          <a:p>
+            <a:r>
+              <a:rPr lang="de-DE" dirty="0" err="1" smtClean="0"/>
+              <a:t>Mesh</a:t>
+            </a:r>
+            <a:r>
+              <a:rPr lang="de-DE" dirty="0" smtClean="0"/>
+              <a:t> </a:t>
+            </a:r>
+            <a:r>
+              <a:rPr lang="de-DE" dirty="0" err="1" smtClean="0"/>
+              <a:t>dependency</a:t>
+            </a:r>
+            <a:r>
+              <a:rPr lang="de-DE" dirty="0" smtClean="0"/>
+              <a:t> </a:t>
+            </a:r>
+            <a:r>
+              <a:rPr lang="de-DE" dirty="0" err="1" smtClean="0"/>
+              <a:t>and</a:t>
+            </a:r>
+            <a:r>
+              <a:rPr lang="de-DE" dirty="0" smtClean="0"/>
+              <a:t> </a:t>
+            </a:r>
+            <a:r>
+              <a:rPr lang="de-DE" dirty="0" err="1" smtClean="0"/>
+              <a:t>validation</a:t>
+            </a:r>
+            <a:endParaRPr lang="de-DE" dirty="0"/>
+          </a:p>
+        </p:txBody>
+      </p:sp>
+      <p:sp>
+        <p:nvSpPr>
+          <p:cNvPr id="4" name="Text Placeholder 3"/>
+          <p:cNvSpPr>
+            <a:spLocks noGrp="1"/>
+          </p:cNvSpPr>
+          <p:nvPr>
+            <p:ph type="body" sz="quarter" idx="10"/>
+          </p:nvPr>
+        </p:nvSpPr>
+        <p:spPr/>
+        <p:txBody>
+          <a:bodyPr/>
+          <a:lstStyle/>
+          <a:p>
+            <a:pPr marL="285750" indent="-285750">
+              <a:buFont typeface="Arial" panose="020B0604020202020204" pitchFamily="34" charset="0"/>
+              <a:buChar char="•"/>
+            </a:pPr>
+            <a:r>
+              <a:rPr lang="de-DE" dirty="0" smtClean="0"/>
+              <a:t>Different </a:t>
+            </a:r>
+            <a:r>
+              <a:rPr lang="de-DE" dirty="0" err="1" smtClean="0"/>
+              <a:t>mesh</a:t>
+            </a:r>
+            <a:r>
+              <a:rPr lang="de-DE" dirty="0" smtClean="0"/>
+              <a:t> </a:t>
+            </a:r>
+            <a:r>
+              <a:rPr lang="de-DE" dirty="0" err="1" smtClean="0"/>
+              <a:t>densities</a:t>
+            </a:r>
+            <a:r>
+              <a:rPr lang="de-DE" dirty="0" smtClean="0"/>
+              <a:t> </a:t>
+            </a:r>
+            <a:r>
+              <a:rPr lang="en-GB" dirty="0" smtClean="0"/>
+              <a:t>investigated</a:t>
+            </a:r>
+          </a:p>
+        </p:txBody>
+      </p:sp>
+      <p:sp>
+        <p:nvSpPr>
+          <p:cNvPr id="5" name="Text Placeholder 4"/>
+          <p:cNvSpPr>
+            <a:spLocks noGrp="1"/>
+          </p:cNvSpPr>
+          <p:nvPr>
+            <p:ph type="body" sz="quarter" idx="11"/>
+          </p:nvPr>
+        </p:nvSpPr>
+        <p:spPr/>
+        <p:txBody>
+          <a:bodyPr/>
+          <a:lstStyle/>
+          <a:p>
+            <a:pPr marL="285750" indent="-285750">
+              <a:buFont typeface="Arial" panose="020B0604020202020204" pitchFamily="34" charset="0"/>
+              <a:buChar char="•"/>
+            </a:pPr>
+            <a:r>
+              <a:rPr lang="de-DE" dirty="0" smtClean="0"/>
+              <a:t>Validation </a:t>
+            </a:r>
+            <a:r>
+              <a:rPr lang="en-GB" dirty="0" smtClean="0"/>
+              <a:t>against</a:t>
+            </a:r>
+            <a:r>
+              <a:rPr lang="de-DE" dirty="0" smtClean="0"/>
+              <a:t> </a:t>
+            </a:r>
+            <a:r>
+              <a:rPr lang="de-DE" noProof="1" smtClean="0"/>
+              <a:t>existing</a:t>
+            </a:r>
+            <a:r>
+              <a:rPr lang="de-DE" dirty="0" smtClean="0"/>
+              <a:t> </a:t>
+            </a:r>
+            <a:r>
+              <a:rPr lang="de-DE" dirty="0" smtClean="0"/>
+              <a:t>experimental </a:t>
+            </a:r>
+            <a:r>
+              <a:rPr lang="en-GB" dirty="0" smtClean="0"/>
+              <a:t>data</a:t>
+            </a:r>
+            <a:r>
+              <a:rPr lang="de-DE" dirty="0" smtClean="0"/>
+              <a:t> </a:t>
+            </a:r>
+            <a:endParaRPr lang="de-DE" dirty="0"/>
+          </a:p>
+        </p:txBody>
+      </p:sp>
+      <p:pic>
+        <p:nvPicPr>
+          <p:cNvPr id="6" name="Picture 5"/>
+          <p:cNvPicPr>
+            <a:picLocks noChangeAspect="1"/>
+          </p:cNvPicPr>
+          <p:nvPr/>
+        </p:nvPicPr>
+        <p:blipFill>
+          <a:blip r:embed="rId2" cstate="print">
+            <a:extLst>
+              <a:ext uri="{28A0092B-C50C-407E-A947-70E740481C1C}">
+                <a14:useLocalDpi xmlns:a14="http://schemas.microsoft.com/office/drawing/2010/main" val="0"/>
+              </a:ext>
+            </a:extLst>
+          </a:blip>
+          <a:stretch>
+            <a:fillRect/>
+          </a:stretch>
+        </p:blipFill>
+        <p:spPr>
+          <a:xfrm>
+            <a:off x="874712" y="2038343"/>
+            <a:ext cx="4680000" cy="3240000"/>
+          </a:xfrm>
+          <a:prstGeom prst="rect">
+            <a:avLst/>
+          </a:prstGeom>
+        </p:spPr>
+      </p:pic>
+      <p:pic>
+        <p:nvPicPr>
+          <p:cNvPr id="3" name="Picture 2"/>
+          <p:cNvPicPr>
+            <a:picLocks noChangeAspect="1"/>
+          </p:cNvPicPr>
+          <p:nvPr/>
+        </p:nvPicPr>
+        <p:blipFill>
+          <a:blip r:embed="rId3" cstate="print">
+            <a:extLst>
+              <a:ext uri="{28A0092B-C50C-407E-A947-70E740481C1C}">
+                <a14:useLocalDpi xmlns:a14="http://schemas.microsoft.com/office/drawing/2010/main" val="0"/>
+              </a:ext>
+            </a:extLst>
+          </a:blip>
+          <a:stretch>
+            <a:fillRect/>
+          </a:stretch>
+        </p:blipFill>
+        <p:spPr>
+          <a:xfrm>
+            <a:off x="6469178" y="2038343"/>
+            <a:ext cx="4680000" cy="3240000"/>
+          </a:xfrm>
+          <a:prstGeom prst="rect">
+            <a:avLst/>
+          </a:prstGeom>
+        </p:spPr>
+      </p:pic>
+    </p:spTree>
+    <p:extLst>
+      <p:ext uri="{BB962C8B-B14F-4D97-AF65-F5344CB8AC3E}">
+        <p14:creationId xmlns:p14="http://schemas.microsoft.com/office/powerpoint/2010/main" val="786727313"/>
+      </p:ext>
+    </p:extLst>
+  </p:cSld>
+  <p:clrMapOvr>
+    <a:masterClrMapping/>
+  </p:clrMapOvr>
+  <p:timing>
+    <p:tnLst>
+      <p:par>
+        <p:cTn id="1" dur="indefinite" restart="never" nodeType="tmRoot"/>
+      </p:par>
+    </p:tnLst>
+  </p:timing>
+</p:sld>
+</file>
+
+<file path=ppt/slides/slide7.xml><?xml version="1.0" encoding="utf-8"?>
+<p:sld xmlns:a="http://schemas.openxmlformats.org/drawingml/2006/main" xmlns:r="http://schemas.openxmlformats.org/officeDocument/2006/relationships" xmlns:p="http://schemas.openxmlformats.org/presentationml/2006/main">
+  <p:cSld>
+    <p:spTree>
+      <p:nvGrpSpPr>
+        <p:cNvPr id="1" name=""/>
+        <p:cNvGrpSpPr/>
+        <p:nvPr/>
+      </p:nvGrpSpPr>
+      <p:grpSpPr>
+        <a:xfrm>
+          <a:off x="0" y="0"/>
+          <a:ext cx="0" cy="0"/>
+          <a:chOff x="0" y="0"/>
+          <a:chExt cx="0" cy="0"/>
+        </a:xfrm>
+      </p:grpSpPr>
+      <p:sp>
+        <p:nvSpPr>
+          <p:cNvPr id="2" name="Title 1"/>
+          <p:cNvSpPr>
+            <a:spLocks noGrp="1"/>
+          </p:cNvSpPr>
+          <p:nvPr>
+            <p:ph type="title"/>
+          </p:nvPr>
+        </p:nvSpPr>
+        <p:spPr/>
+        <p:txBody>
+          <a:bodyPr/>
+          <a:lstStyle/>
+          <a:p>
+            <a:r>
+              <a:rPr lang="en-GB" dirty="0" smtClean="0"/>
+              <a:t>Taylor dispersion</a:t>
+            </a:r>
+            <a:endParaRPr lang="en-GB" dirty="0"/>
+          </a:p>
+        </p:txBody>
+      </p:sp>
+      <p:sp>
+        <p:nvSpPr>
+          <p:cNvPr id="3" name="Text Placeholder 2"/>
+          <p:cNvSpPr>
+            <a:spLocks noGrp="1"/>
+          </p:cNvSpPr>
+          <p:nvPr>
+            <p:ph type="body" sz="quarter" idx="10"/>
+          </p:nvPr>
+        </p:nvSpPr>
+        <p:spPr/>
+        <p:txBody>
+          <a:bodyPr/>
+          <a:lstStyle/>
+          <a:p>
+            <a:pPr marL="285750" indent="-285750">
+              <a:buFont typeface="Arial" panose="020B0604020202020204" pitchFamily="34" charset="0"/>
+              <a:buChar char="•"/>
+            </a:pPr>
+            <a:r>
+              <a:rPr lang="en-GB" dirty="0" smtClean="0"/>
+              <a:t>Spreading in space and time</a:t>
+            </a:r>
+          </a:p>
+          <a:p>
+            <a:pPr marL="681692" lvl="1" indent="-285750">
+              <a:buFont typeface="Arial" panose="020B0604020202020204" pitchFamily="34" charset="0"/>
+              <a:buChar char="•"/>
+            </a:pPr>
+            <a:r>
+              <a:rPr lang="en-GB" dirty="0" smtClean="0"/>
+              <a:t>Spreading of a front in a pipe</a:t>
+            </a:r>
+            <a:endParaRPr lang="en-GB" dirty="0"/>
+          </a:p>
+        </p:txBody>
+      </p:sp>
+      <p:sp>
+        <p:nvSpPr>
+          <p:cNvPr id="8" name="Text Placeholder 7"/>
+          <p:cNvSpPr>
+            <a:spLocks noGrp="1"/>
+          </p:cNvSpPr>
+          <p:nvPr>
+            <p:ph type="body" sz="quarter" idx="11"/>
+          </p:nvPr>
+        </p:nvSpPr>
+        <p:spPr/>
+        <p:txBody>
+          <a:bodyPr/>
+          <a:lstStyle/>
+          <a:p>
+            <a:pPr marL="285750" indent="-285750">
+              <a:buFont typeface="Arial" panose="020B0604020202020204" pitchFamily="34" charset="0"/>
+              <a:buChar char="•"/>
+            </a:pPr>
+            <a:endParaRPr lang="en-GB" dirty="0" smtClean="0"/>
+          </a:p>
+          <a:p>
+            <a:pPr marL="681692" lvl="1" indent="-285750">
+              <a:buFont typeface="Arial" panose="020B0604020202020204" pitchFamily="34" charset="0"/>
+              <a:buChar char="•"/>
+            </a:pPr>
+            <a:r>
+              <a:rPr lang="en-GB" dirty="0" smtClean="0"/>
+              <a:t>Spreading of gap averaged values</a:t>
+            </a:r>
+            <a:endParaRPr lang="en-GB" dirty="0"/>
+          </a:p>
+        </p:txBody>
+      </p:sp>
+      <p:pic>
+        <p:nvPicPr>
+          <p:cNvPr id="6" name="Picture 5"/>
+          <p:cNvPicPr>
+            <a:picLocks noChangeAspect="1"/>
+          </p:cNvPicPr>
+          <p:nvPr/>
+        </p:nvPicPr>
+        <p:blipFill>
+          <a:blip r:embed="rId2">
+            <a:extLst>
+              <a:ext uri="{28A0092B-C50C-407E-A947-70E740481C1C}">
+                <a14:useLocalDpi xmlns:a14="http://schemas.microsoft.com/office/drawing/2010/main" val="0"/>
+              </a:ext>
+            </a:extLst>
+          </a:blip>
+          <a:stretch>
+            <a:fillRect/>
+          </a:stretch>
+        </p:blipFill>
+        <p:spPr>
+          <a:xfrm>
+            <a:off x="714864" y="2915139"/>
+            <a:ext cx="5515584" cy="1303978"/>
+          </a:xfrm>
+          <a:prstGeom prst="rect">
+            <a:avLst/>
+          </a:prstGeom>
+        </p:spPr>
+      </p:pic>
+      <p:pic>
+        <p:nvPicPr>
+          <p:cNvPr id="7" name="Picture 6"/>
+          <p:cNvPicPr>
+            <a:picLocks noChangeAspect="1"/>
+          </p:cNvPicPr>
+          <p:nvPr/>
+        </p:nvPicPr>
+        <p:blipFill>
+          <a:blip r:embed="rId3">
+            <a:extLst>
+              <a:ext uri="{28A0092B-C50C-407E-A947-70E740481C1C}">
+                <a14:useLocalDpi xmlns:a14="http://schemas.microsoft.com/office/drawing/2010/main" val="0"/>
+              </a:ext>
+            </a:extLst>
+          </a:blip>
+          <a:stretch>
+            <a:fillRect/>
+          </a:stretch>
+        </p:blipFill>
+        <p:spPr>
+          <a:xfrm>
+            <a:off x="6267450" y="2297930"/>
+            <a:ext cx="5455628" cy="2893504"/>
+          </a:xfrm>
+          <a:prstGeom prst="rect">
+            <a:avLst/>
+          </a:prstGeom>
+        </p:spPr>
+      </p:pic>
+    </p:spTree>
+    <p:extLst>
+      <p:ext uri="{BB962C8B-B14F-4D97-AF65-F5344CB8AC3E}">
+        <p14:creationId xmlns:p14="http://schemas.microsoft.com/office/powerpoint/2010/main" val="3455068058"/>
+      </p:ext>
+    </p:extLst>
+  </p:cSld>
+  <p:clrMapOvr>
+    <a:masterClrMapping/>
+  </p:clrMapOvr>
+  <p:timing>
+    <p:tnLst>
+      <p:par>
+        <p:cTn id="1" dur="indefinite" restart="never" nodeType="tmRoot"/>
+      </p:par>
+    </p:tnLst>
+  </p:timing>
+</p:sld>
+</file>
+
+<file path=ppt/slides/slide8.xml><?xml version="1.0" encoding="utf-8"?>
+<p:sld xmlns:a="http://schemas.openxmlformats.org/drawingml/2006/main" xmlns:r="http://schemas.openxmlformats.org/officeDocument/2006/relationships" xmlns:p="http://schemas.openxmlformats.org/presentationml/2006/main">
+  <p:cSld>
+    <p:spTree>
+      <p:nvGrpSpPr>
+        <p:cNvPr id="1" name=""/>
+        <p:cNvGrpSpPr/>
+        <p:nvPr/>
+      </p:nvGrpSpPr>
+      <p:grpSpPr>
+        <a:xfrm>
+          <a:off x="0" y="0"/>
+          <a:ext cx="0" cy="0"/>
+          <a:chOff x="0" y="0"/>
+          <a:chExt cx="0" cy="0"/>
+        </a:xfrm>
+      </p:grpSpPr>
+      <p:sp>
+        <p:nvSpPr>
           <p:cNvPr id="5" name="Rechteck 4"/>
           <p:cNvSpPr/>
           <p:nvPr/>
@@ -7512,7 +8874,7 @@
           <a:lstStyle/>
           <a:p>
             <a:pPr algn="ctr"/>
-            <a:endParaRPr lang="de-DE"/>
+            <a:endParaRPr lang="de-DE" dirty="0"/>
           </a:p>
         </p:txBody>
       </p:sp>

--- a/Presentationen/Defense_presentation.pptx
+++ b/Presentationen/Defense_presentation.pptx
@@ -5,41 +5,50 @@
     <p:sldMasterId id="2147483891" r:id="rId1"/>
   </p:sldMasterIdLst>
   <p:notesMasterIdLst>
-    <p:notesMasterId r:id="rId10"/>
+    <p:notesMasterId r:id="rId19"/>
   </p:notesMasterIdLst>
   <p:handoutMasterIdLst>
-    <p:handoutMasterId r:id="rId11"/>
+    <p:handoutMasterId r:id="rId20"/>
   </p:handoutMasterIdLst>
   <p:sldIdLst>
     <p:sldId id="256" r:id="rId2"/>
     <p:sldId id="264" r:id="rId3"/>
     <p:sldId id="271" r:id="rId4"/>
     <p:sldId id="272" r:id="rId5"/>
-    <p:sldId id="274" r:id="rId6"/>
-    <p:sldId id="273" r:id="rId7"/>
-    <p:sldId id="275" r:id="rId8"/>
-    <p:sldId id="270" r:id="rId9"/>
+    <p:sldId id="276" r:id="rId6"/>
+    <p:sldId id="277" r:id="rId7"/>
+    <p:sldId id="278" r:id="rId8"/>
+    <p:sldId id="284" r:id="rId9"/>
+    <p:sldId id="274" r:id="rId10"/>
+    <p:sldId id="273" r:id="rId11"/>
+    <p:sldId id="275" r:id="rId12"/>
+    <p:sldId id="279" r:id="rId13"/>
+    <p:sldId id="280" r:id="rId14"/>
+    <p:sldId id="281" r:id="rId15"/>
+    <p:sldId id="282" r:id="rId16"/>
+    <p:sldId id="283" r:id="rId17"/>
+    <p:sldId id="270" r:id="rId18"/>
   </p:sldIdLst>
   <p:sldSz cx="12192000" cy="6858000"/>
   <p:notesSz cx="6858000" cy="9144000"/>
   <p:embeddedFontLst>
     <p:embeddedFont>
-      <p:font typeface="Open Sans" panose="020B0604020202020204" charset="0"/>
-      <p:regular r:id="rId12"/>
-      <p:bold r:id="rId13"/>
-      <p:italic r:id="rId14"/>
-      <p:boldItalic r:id="rId15"/>
+      <p:font typeface="Calibri" panose="020F0502020204030204" pitchFamily="34" charset="0"/>
+      <p:regular r:id="rId21"/>
+      <p:bold r:id="rId22"/>
+      <p:italic r:id="rId23"/>
+      <p:boldItalic r:id="rId24"/>
     </p:embeddedFont>
     <p:embeddedFont>
-      <p:font typeface="Calibri" panose="020F0502020204030204" pitchFamily="34" charset="0"/>
-      <p:regular r:id="rId16"/>
-      <p:bold r:id="rId17"/>
-      <p:italic r:id="rId18"/>
-      <p:boldItalic r:id="rId19"/>
+      <p:font typeface="Open Sans" panose="020B0604020202020204" charset="0"/>
+      <p:regular r:id="rId25"/>
+      <p:bold r:id="rId26"/>
+      <p:italic r:id="rId27"/>
+      <p:boldItalic r:id="rId28"/>
     </p:embeddedFont>
     <p:embeddedFont>
       <p:font typeface="Cambria Math" panose="02040503050406030204" pitchFamily="18" charset="0"/>
-      <p:regular r:id="rId20"/>
+      <p:regular r:id="rId29"/>
     </p:embeddedFont>
   </p:embeddedFontLst>
   <p:defaultTextStyle>
@@ -154,10 +163,14 @@
         <p14:section name="governing equations" id="{C2957D9E-634C-44E2-89FC-483EFDC8A956}">
           <p14:sldIdLst>
             <p14:sldId id="272"/>
+            <p14:sldId id="276"/>
+            <p14:sldId id="277"/>
           </p14:sldIdLst>
         </p14:section>
         <p14:section name="mesh_dep + validation" id="{98804D22-D1A5-49F9-889D-B8D7BE782177}">
           <p14:sldIdLst>
+            <p14:sldId id="278"/>
+            <p14:sldId id="284"/>
             <p14:sldId id="274"/>
             <p14:sldId id="273"/>
           </p14:sldIdLst>
@@ -165,6 +178,11 @@
         <p14:section name="results" id="{59834961-E1E2-4803-BDC0-156AB703C88C}">
           <p14:sldIdLst>
             <p14:sldId id="275"/>
+            <p14:sldId id="279"/>
+            <p14:sldId id="280"/>
+            <p14:sldId id="281"/>
+            <p14:sldId id="282"/>
+            <p14:sldId id="283"/>
           </p14:sldIdLst>
         </p14:section>
         <p14:section name="end + appendix" id="{9E2C446E-88C2-4D58-B199-96CE045F8F6C}">
@@ -275,7 +293,7 @@
           <a:p>
             <a:fld id="{C6AC6211-610F-44E5-BF19-D3CDF6EDD281}" type="datetimeFigureOut">
               <a:rPr lang="de-DE" smtClean="0"/>
-              <a:t>10.02.2023</a:t>
+              <a:t>17.02.2023</a:t>
             </a:fld>
             <a:endParaRPr lang="de-DE"/>
           </a:p>
@@ -441,7 +459,7 @@
           <a:p>
             <a:fld id="{347435D3-23A6-45D3-8DFA-7317DC1E7A64}" type="datetimeFigureOut">
               <a:rPr lang="de-DE" smtClean="0"/>
-              <a:t>10.02.2023</a:t>
+              <a:t>17.02.2023</a:t>
             </a:fld>
             <a:endParaRPr lang="de-DE"/>
           </a:p>
@@ -4226,6 +4244,1035 @@
     <p:extLst>
       <p:ext uri="{BB962C8B-B14F-4D97-AF65-F5344CB8AC3E}">
         <p14:creationId xmlns:p14="http://schemas.microsoft.com/office/powerpoint/2010/main" val="868022722"/>
+      </p:ext>
+    </p:extLst>
+  </p:cSld>
+  <p:clrMapOvr>
+    <a:masterClrMapping/>
+  </p:clrMapOvr>
+  <mc:AlternateContent xmlns:mc="http://schemas.openxmlformats.org/markup-compatibility/2006" xmlns:p14="http://schemas.microsoft.com/office/powerpoint/2010/main">
+    <mc:Choice Requires="p14">
+      <p:transition spd="slow" p14:dur="2000"/>
+    </mc:Choice>
+    <mc:Fallback xmlns="">
+      <p:transition spd="slow"/>
+    </mc:Fallback>
+  </mc:AlternateContent>
+  <p:timing>
+    <p:tnLst>
+      <p:par>
+        <p:cTn id="1" dur="indefinite" restart="never" nodeType="tmRoot"/>
+      </p:par>
+    </p:tnLst>
+  </p:timing>
+</p:sld>
+</file>
+
+<file path=ppt/slides/slide10.xml><?xml version="1.0" encoding="utf-8"?>
+<p:sld xmlns:a="http://schemas.openxmlformats.org/drawingml/2006/main" xmlns:r="http://schemas.openxmlformats.org/officeDocument/2006/relationships" xmlns:p="http://schemas.openxmlformats.org/presentationml/2006/main">
+  <p:cSld>
+    <p:spTree>
+      <p:nvGrpSpPr>
+        <p:cNvPr id="1" name=""/>
+        <p:cNvGrpSpPr/>
+        <p:nvPr/>
+      </p:nvGrpSpPr>
+      <p:grpSpPr>
+        <a:xfrm>
+          <a:off x="0" y="0"/>
+          <a:ext cx="0" cy="0"/>
+          <a:chOff x="0" y="0"/>
+          <a:chExt cx="0" cy="0"/>
+        </a:xfrm>
+      </p:grpSpPr>
+      <p:sp>
+        <p:nvSpPr>
+          <p:cNvPr id="2" name="Title 1"/>
+          <p:cNvSpPr>
+            <a:spLocks noGrp="1"/>
+          </p:cNvSpPr>
+          <p:nvPr>
+            <p:ph type="title"/>
+          </p:nvPr>
+        </p:nvSpPr>
+        <p:spPr/>
+        <p:txBody>
+          <a:bodyPr/>
+          <a:lstStyle/>
+          <a:p>
+            <a:r>
+              <a:rPr lang="de-DE" dirty="0" err="1" smtClean="0"/>
+              <a:t>Mesh</a:t>
+            </a:r>
+            <a:r>
+              <a:rPr lang="de-DE" dirty="0" smtClean="0"/>
+              <a:t> </a:t>
+            </a:r>
+            <a:r>
+              <a:rPr lang="de-DE" dirty="0" err="1" smtClean="0"/>
+              <a:t>dependency</a:t>
+            </a:r>
+            <a:r>
+              <a:rPr lang="de-DE" dirty="0" smtClean="0"/>
+              <a:t> </a:t>
+            </a:r>
+            <a:r>
+              <a:rPr lang="de-DE" dirty="0" err="1" smtClean="0"/>
+              <a:t>and</a:t>
+            </a:r>
+            <a:r>
+              <a:rPr lang="de-DE" dirty="0" smtClean="0"/>
+              <a:t> </a:t>
+            </a:r>
+            <a:r>
+              <a:rPr lang="de-DE" dirty="0" err="1" smtClean="0"/>
+              <a:t>validation</a:t>
+            </a:r>
+            <a:endParaRPr lang="de-DE" dirty="0"/>
+          </a:p>
+        </p:txBody>
+      </p:sp>
+      <p:sp>
+        <p:nvSpPr>
+          <p:cNvPr id="4" name="Text Placeholder 3"/>
+          <p:cNvSpPr>
+            <a:spLocks noGrp="1"/>
+          </p:cNvSpPr>
+          <p:nvPr>
+            <p:ph type="body" sz="quarter" idx="10"/>
+          </p:nvPr>
+        </p:nvSpPr>
+        <p:spPr/>
+        <p:txBody>
+          <a:bodyPr/>
+          <a:lstStyle/>
+          <a:p>
+            <a:pPr marL="285750" indent="-285750">
+              <a:buFont typeface="Arial" panose="020B0604020202020204" pitchFamily="34" charset="0"/>
+              <a:buChar char="•"/>
+            </a:pPr>
+            <a:r>
+              <a:rPr lang="de-DE" dirty="0" smtClean="0"/>
+              <a:t>Different </a:t>
+            </a:r>
+            <a:r>
+              <a:rPr lang="de-DE" dirty="0" err="1" smtClean="0"/>
+              <a:t>mesh</a:t>
+            </a:r>
+            <a:r>
+              <a:rPr lang="de-DE" dirty="0" smtClean="0"/>
+              <a:t> </a:t>
+            </a:r>
+            <a:r>
+              <a:rPr lang="de-DE" dirty="0" err="1" smtClean="0"/>
+              <a:t>densities</a:t>
+            </a:r>
+            <a:r>
+              <a:rPr lang="de-DE" dirty="0" smtClean="0"/>
+              <a:t> </a:t>
+            </a:r>
+            <a:r>
+              <a:rPr lang="en-GB" dirty="0" smtClean="0"/>
+              <a:t>investigated</a:t>
+            </a:r>
+          </a:p>
+        </p:txBody>
+      </p:sp>
+      <p:sp>
+        <p:nvSpPr>
+          <p:cNvPr id="5" name="Text Placeholder 4"/>
+          <p:cNvSpPr>
+            <a:spLocks noGrp="1"/>
+          </p:cNvSpPr>
+          <p:nvPr>
+            <p:ph type="body" sz="quarter" idx="11"/>
+          </p:nvPr>
+        </p:nvSpPr>
+        <p:spPr/>
+        <p:txBody>
+          <a:bodyPr/>
+          <a:lstStyle/>
+          <a:p>
+            <a:pPr marL="285750" indent="-285750">
+              <a:buFont typeface="Arial" panose="020B0604020202020204" pitchFamily="34" charset="0"/>
+              <a:buChar char="•"/>
+            </a:pPr>
+            <a:r>
+              <a:rPr lang="de-DE" dirty="0" smtClean="0"/>
+              <a:t>Validation </a:t>
+            </a:r>
+            <a:r>
+              <a:rPr lang="en-GB" dirty="0" smtClean="0"/>
+              <a:t>against</a:t>
+            </a:r>
+            <a:r>
+              <a:rPr lang="de-DE" dirty="0" smtClean="0"/>
+              <a:t> </a:t>
+            </a:r>
+            <a:r>
+              <a:rPr lang="de-DE" noProof="1" smtClean="0"/>
+              <a:t>existing</a:t>
+            </a:r>
+            <a:r>
+              <a:rPr lang="de-DE" dirty="0" smtClean="0"/>
+              <a:t> experimental </a:t>
+            </a:r>
+            <a:r>
+              <a:rPr lang="en-GB" dirty="0" smtClean="0"/>
+              <a:t>data</a:t>
+            </a:r>
+            <a:r>
+              <a:rPr lang="de-DE" dirty="0" smtClean="0"/>
+              <a:t> </a:t>
+            </a:r>
+            <a:endParaRPr lang="de-DE" dirty="0"/>
+          </a:p>
+        </p:txBody>
+      </p:sp>
+      <p:pic>
+        <p:nvPicPr>
+          <p:cNvPr id="6" name="Picture 5"/>
+          <p:cNvPicPr>
+            <a:picLocks noChangeAspect="1"/>
+          </p:cNvPicPr>
+          <p:nvPr/>
+        </p:nvPicPr>
+        <p:blipFill>
+          <a:blip r:embed="rId2" cstate="print">
+            <a:extLst>
+              <a:ext uri="{28A0092B-C50C-407E-A947-70E740481C1C}">
+                <a14:useLocalDpi xmlns:a14="http://schemas.microsoft.com/office/drawing/2010/main" val="0"/>
+              </a:ext>
+            </a:extLst>
+          </a:blip>
+          <a:stretch>
+            <a:fillRect/>
+          </a:stretch>
+        </p:blipFill>
+        <p:spPr>
+          <a:xfrm>
+            <a:off x="874712" y="2038343"/>
+            <a:ext cx="4680000" cy="3240000"/>
+          </a:xfrm>
+          <a:prstGeom prst="rect">
+            <a:avLst/>
+          </a:prstGeom>
+        </p:spPr>
+      </p:pic>
+      <p:pic>
+        <p:nvPicPr>
+          <p:cNvPr id="3" name="Picture 2"/>
+          <p:cNvPicPr>
+            <a:picLocks noChangeAspect="1"/>
+          </p:cNvPicPr>
+          <p:nvPr/>
+        </p:nvPicPr>
+        <p:blipFill>
+          <a:blip r:embed="rId3" cstate="print">
+            <a:extLst>
+              <a:ext uri="{28A0092B-C50C-407E-A947-70E740481C1C}">
+                <a14:useLocalDpi xmlns:a14="http://schemas.microsoft.com/office/drawing/2010/main" val="0"/>
+              </a:ext>
+            </a:extLst>
+          </a:blip>
+          <a:stretch>
+            <a:fillRect/>
+          </a:stretch>
+        </p:blipFill>
+        <p:spPr>
+          <a:xfrm>
+            <a:off x="6469178" y="2038343"/>
+            <a:ext cx="4680000" cy="3240000"/>
+          </a:xfrm>
+          <a:prstGeom prst="rect">
+            <a:avLst/>
+          </a:prstGeom>
+        </p:spPr>
+      </p:pic>
+    </p:spTree>
+    <p:extLst>
+      <p:ext uri="{BB962C8B-B14F-4D97-AF65-F5344CB8AC3E}">
+        <p14:creationId xmlns:p14="http://schemas.microsoft.com/office/powerpoint/2010/main" val="786727313"/>
+      </p:ext>
+    </p:extLst>
+  </p:cSld>
+  <p:clrMapOvr>
+    <a:masterClrMapping/>
+  </p:clrMapOvr>
+  <p:timing>
+    <p:tnLst>
+      <p:par>
+        <p:cTn id="1" dur="indefinite" restart="never" nodeType="tmRoot"/>
+      </p:par>
+    </p:tnLst>
+  </p:timing>
+</p:sld>
+</file>
+
+<file path=ppt/slides/slide11.xml><?xml version="1.0" encoding="utf-8"?>
+<p:sld xmlns:a="http://schemas.openxmlformats.org/drawingml/2006/main" xmlns:r="http://schemas.openxmlformats.org/officeDocument/2006/relationships" xmlns:p="http://schemas.openxmlformats.org/presentationml/2006/main">
+  <p:cSld>
+    <p:spTree>
+      <p:nvGrpSpPr>
+        <p:cNvPr id="1" name=""/>
+        <p:cNvGrpSpPr/>
+        <p:nvPr/>
+      </p:nvGrpSpPr>
+      <p:grpSpPr>
+        <a:xfrm>
+          <a:off x="0" y="0"/>
+          <a:ext cx="0" cy="0"/>
+          <a:chOff x="0" y="0"/>
+          <a:chExt cx="0" cy="0"/>
+        </a:xfrm>
+      </p:grpSpPr>
+      <p:sp>
+        <p:nvSpPr>
+          <p:cNvPr id="2" name="Title 1"/>
+          <p:cNvSpPr>
+            <a:spLocks noGrp="1"/>
+          </p:cNvSpPr>
+          <p:nvPr>
+            <p:ph type="title"/>
+          </p:nvPr>
+        </p:nvSpPr>
+        <p:spPr/>
+        <p:txBody>
+          <a:bodyPr/>
+          <a:lstStyle/>
+          <a:p>
+            <a:r>
+              <a:rPr lang="en-GB" dirty="0" smtClean="0"/>
+              <a:t>Taylor dispersion</a:t>
+            </a:r>
+            <a:endParaRPr lang="en-GB" dirty="0"/>
+          </a:p>
+        </p:txBody>
+      </p:sp>
+      <p:sp>
+        <p:nvSpPr>
+          <p:cNvPr id="3" name="Text Placeholder 2"/>
+          <p:cNvSpPr>
+            <a:spLocks noGrp="1"/>
+          </p:cNvSpPr>
+          <p:nvPr>
+            <p:ph type="body" sz="quarter" idx="10"/>
+          </p:nvPr>
+        </p:nvSpPr>
+        <p:spPr/>
+        <p:txBody>
+          <a:bodyPr/>
+          <a:lstStyle/>
+          <a:p>
+            <a:pPr marL="285750" indent="-285750">
+              <a:buFont typeface="Arial" panose="020B0604020202020204" pitchFamily="34" charset="0"/>
+              <a:buChar char="•"/>
+            </a:pPr>
+            <a:r>
+              <a:rPr lang="en-GB" dirty="0" smtClean="0"/>
+              <a:t>Spreading in space and time</a:t>
+            </a:r>
+          </a:p>
+          <a:p>
+            <a:pPr marL="681692" lvl="1" indent="-285750">
+              <a:buFont typeface="Arial" panose="020B0604020202020204" pitchFamily="34" charset="0"/>
+              <a:buChar char="•"/>
+            </a:pPr>
+            <a:r>
+              <a:rPr lang="en-GB" dirty="0" smtClean="0"/>
+              <a:t>Spreading of a front </a:t>
+            </a:r>
+            <a:r>
+              <a:rPr lang="en-GB" dirty="0" smtClean="0"/>
+              <a:t>within</a:t>
+            </a:r>
+            <a:r>
+              <a:rPr lang="en-GB" dirty="0" smtClean="0"/>
+              <a:t> </a:t>
+            </a:r>
+            <a:r>
+              <a:rPr lang="en-GB" dirty="0" smtClean="0"/>
+              <a:t>a pipe</a:t>
+            </a:r>
+            <a:endParaRPr lang="en-GB" dirty="0"/>
+          </a:p>
+        </p:txBody>
+      </p:sp>
+      <p:sp>
+        <p:nvSpPr>
+          <p:cNvPr id="8" name="Text Placeholder 7"/>
+          <p:cNvSpPr>
+            <a:spLocks noGrp="1"/>
+          </p:cNvSpPr>
+          <p:nvPr>
+            <p:ph type="body" sz="quarter" idx="11"/>
+          </p:nvPr>
+        </p:nvSpPr>
+        <p:spPr/>
+        <p:txBody>
+          <a:bodyPr/>
+          <a:lstStyle/>
+          <a:p>
+            <a:pPr marL="285750" indent="-285750">
+              <a:buFont typeface="Arial" panose="020B0604020202020204" pitchFamily="34" charset="0"/>
+              <a:buChar char="•"/>
+            </a:pPr>
+            <a:endParaRPr lang="en-GB" dirty="0" smtClean="0"/>
+          </a:p>
+          <a:p>
+            <a:pPr marL="681692" lvl="1" indent="-285750">
+              <a:buFont typeface="Arial" panose="020B0604020202020204" pitchFamily="34" charset="0"/>
+              <a:buChar char="•"/>
+            </a:pPr>
+            <a:r>
+              <a:rPr lang="en-GB" dirty="0" smtClean="0"/>
+              <a:t>Spreading of gap averaged values</a:t>
+            </a:r>
+            <a:endParaRPr lang="en-GB" dirty="0"/>
+          </a:p>
+        </p:txBody>
+      </p:sp>
+      <p:pic>
+        <p:nvPicPr>
+          <p:cNvPr id="6" name="Picture 5"/>
+          <p:cNvPicPr>
+            <a:picLocks noChangeAspect="1"/>
+          </p:cNvPicPr>
+          <p:nvPr/>
+        </p:nvPicPr>
+        <p:blipFill>
+          <a:blip r:embed="rId2">
+            <a:extLst>
+              <a:ext uri="{28A0092B-C50C-407E-A947-70E740481C1C}">
+                <a14:useLocalDpi xmlns:a14="http://schemas.microsoft.com/office/drawing/2010/main" val="0"/>
+              </a:ext>
+            </a:extLst>
+          </a:blip>
+          <a:stretch>
+            <a:fillRect/>
+          </a:stretch>
+        </p:blipFill>
+        <p:spPr>
+          <a:xfrm>
+            <a:off x="714864" y="2915139"/>
+            <a:ext cx="5515584" cy="1303978"/>
+          </a:xfrm>
+          <a:prstGeom prst="rect">
+            <a:avLst/>
+          </a:prstGeom>
+        </p:spPr>
+      </p:pic>
+      <p:pic>
+        <p:nvPicPr>
+          <p:cNvPr id="7" name="Picture 6"/>
+          <p:cNvPicPr>
+            <a:picLocks noChangeAspect="1"/>
+          </p:cNvPicPr>
+          <p:nvPr/>
+        </p:nvPicPr>
+        <p:blipFill>
+          <a:blip r:embed="rId3">
+            <a:extLst>
+              <a:ext uri="{28A0092B-C50C-407E-A947-70E740481C1C}">
+                <a14:useLocalDpi xmlns:a14="http://schemas.microsoft.com/office/drawing/2010/main" val="0"/>
+              </a:ext>
+            </a:extLst>
+          </a:blip>
+          <a:stretch>
+            <a:fillRect/>
+          </a:stretch>
+        </p:blipFill>
+        <p:spPr>
+          <a:xfrm>
+            <a:off x="6267450" y="2297930"/>
+            <a:ext cx="5455628" cy="2893504"/>
+          </a:xfrm>
+          <a:prstGeom prst="rect">
+            <a:avLst/>
+          </a:prstGeom>
+        </p:spPr>
+      </p:pic>
+    </p:spTree>
+    <p:extLst>
+      <p:ext uri="{BB962C8B-B14F-4D97-AF65-F5344CB8AC3E}">
+        <p14:creationId xmlns:p14="http://schemas.microsoft.com/office/powerpoint/2010/main" val="3455068058"/>
+      </p:ext>
+    </p:extLst>
+  </p:cSld>
+  <p:clrMapOvr>
+    <a:masterClrMapping/>
+  </p:clrMapOvr>
+  <p:timing>
+    <p:tnLst>
+      <p:par>
+        <p:cTn id="1" dur="indefinite" restart="never" nodeType="tmRoot"/>
+      </p:par>
+    </p:tnLst>
+  </p:timing>
+</p:sld>
+</file>
+
+<file path=ppt/slides/slide12.xml><?xml version="1.0" encoding="utf-8"?>
+<p:sld xmlns:a="http://schemas.openxmlformats.org/drawingml/2006/main" xmlns:r="http://schemas.openxmlformats.org/officeDocument/2006/relationships" xmlns:p="http://schemas.openxmlformats.org/presentationml/2006/main">
+  <p:cSld>
+    <p:spTree>
+      <p:nvGrpSpPr>
+        <p:cNvPr id="1" name=""/>
+        <p:cNvGrpSpPr/>
+        <p:nvPr/>
+      </p:nvGrpSpPr>
+      <p:grpSpPr>
+        <a:xfrm>
+          <a:off x="0" y="0"/>
+          <a:ext cx="0" cy="0"/>
+          <a:chOff x="0" y="0"/>
+          <a:chExt cx="0" cy="0"/>
+        </a:xfrm>
+      </p:grpSpPr>
+      <p:sp>
+        <p:nvSpPr>
+          <p:cNvPr id="5" name="Title 4"/>
+          <p:cNvSpPr>
+            <a:spLocks noGrp="1"/>
+          </p:cNvSpPr>
+          <p:nvPr>
+            <p:ph type="title"/>
+          </p:nvPr>
+        </p:nvSpPr>
+        <p:spPr/>
+        <p:txBody>
+          <a:bodyPr/>
+          <a:lstStyle/>
+          <a:p>
+            <a:r>
+              <a:rPr lang="en-GB" dirty="0" smtClean="0"/>
+              <a:t>Results</a:t>
+            </a:r>
+            <a:endParaRPr lang="en-GB" dirty="0"/>
+          </a:p>
+        </p:txBody>
+      </p:sp>
+      <p:sp>
+        <p:nvSpPr>
+          <p:cNvPr id="6" name="Content Placeholder 5"/>
+          <p:cNvSpPr>
+            <a:spLocks noGrp="1"/>
+          </p:cNvSpPr>
+          <p:nvPr>
+            <p:ph sz="quarter" idx="10"/>
+          </p:nvPr>
+        </p:nvSpPr>
+        <p:spPr/>
+        <p:txBody>
+          <a:bodyPr/>
+          <a:lstStyle/>
+          <a:p>
+            <a:endParaRPr lang="en-GB"/>
+          </a:p>
+        </p:txBody>
+      </p:sp>
+    </p:spTree>
+    <p:extLst>
+      <p:ext uri="{BB962C8B-B14F-4D97-AF65-F5344CB8AC3E}">
+        <p14:creationId xmlns:p14="http://schemas.microsoft.com/office/powerpoint/2010/main" val="1387372503"/>
+      </p:ext>
+    </p:extLst>
+  </p:cSld>
+  <p:clrMapOvr>
+    <a:masterClrMapping/>
+  </p:clrMapOvr>
+  <p:timing>
+    <p:tnLst>
+      <p:par>
+        <p:cTn id="1" dur="indefinite" restart="never" nodeType="tmRoot"/>
+      </p:par>
+    </p:tnLst>
+  </p:timing>
+</p:sld>
+</file>
+
+<file path=ppt/slides/slide13.xml><?xml version="1.0" encoding="utf-8"?>
+<p:sld xmlns:a="http://schemas.openxmlformats.org/drawingml/2006/main" xmlns:r="http://schemas.openxmlformats.org/officeDocument/2006/relationships" xmlns:p="http://schemas.openxmlformats.org/presentationml/2006/main">
+  <p:cSld>
+    <p:spTree>
+      <p:nvGrpSpPr>
+        <p:cNvPr id="1" name=""/>
+        <p:cNvGrpSpPr/>
+        <p:nvPr/>
+      </p:nvGrpSpPr>
+      <p:grpSpPr>
+        <a:xfrm>
+          <a:off x="0" y="0"/>
+          <a:ext cx="0" cy="0"/>
+          <a:chOff x="0" y="0"/>
+          <a:chExt cx="0" cy="0"/>
+        </a:xfrm>
+      </p:grpSpPr>
+      <p:sp>
+        <p:nvSpPr>
+          <p:cNvPr id="5" name="Title 4"/>
+          <p:cNvSpPr>
+            <a:spLocks noGrp="1"/>
+          </p:cNvSpPr>
+          <p:nvPr>
+            <p:ph type="title"/>
+          </p:nvPr>
+        </p:nvSpPr>
+        <p:spPr/>
+        <p:txBody>
+          <a:bodyPr/>
+          <a:lstStyle/>
+          <a:p>
+            <a:r>
+              <a:rPr lang="en-GB" dirty="0" smtClean="0"/>
+              <a:t>Results</a:t>
+            </a:r>
+            <a:endParaRPr lang="en-GB" dirty="0"/>
+          </a:p>
+        </p:txBody>
+      </p:sp>
+      <p:sp>
+        <p:nvSpPr>
+          <p:cNvPr id="6" name="Content Placeholder 5"/>
+          <p:cNvSpPr>
+            <a:spLocks noGrp="1"/>
+          </p:cNvSpPr>
+          <p:nvPr>
+            <p:ph sz="quarter" idx="10"/>
+          </p:nvPr>
+        </p:nvSpPr>
+        <p:spPr/>
+        <p:txBody>
+          <a:bodyPr/>
+          <a:lstStyle/>
+          <a:p>
+            <a:endParaRPr lang="en-GB"/>
+          </a:p>
+        </p:txBody>
+      </p:sp>
+    </p:spTree>
+    <p:extLst>
+      <p:ext uri="{BB962C8B-B14F-4D97-AF65-F5344CB8AC3E}">
+        <p14:creationId xmlns:p14="http://schemas.microsoft.com/office/powerpoint/2010/main" val="3753426461"/>
+      </p:ext>
+    </p:extLst>
+  </p:cSld>
+  <p:clrMapOvr>
+    <a:masterClrMapping/>
+  </p:clrMapOvr>
+  <p:timing>
+    <p:tnLst>
+      <p:par>
+        <p:cTn id="1" dur="indefinite" restart="never" nodeType="tmRoot"/>
+      </p:par>
+    </p:tnLst>
+  </p:timing>
+</p:sld>
+</file>
+
+<file path=ppt/slides/slide14.xml><?xml version="1.0" encoding="utf-8"?>
+<p:sld xmlns:a="http://schemas.openxmlformats.org/drawingml/2006/main" xmlns:r="http://schemas.openxmlformats.org/officeDocument/2006/relationships" xmlns:p="http://schemas.openxmlformats.org/presentationml/2006/main">
+  <p:cSld>
+    <p:spTree>
+      <p:nvGrpSpPr>
+        <p:cNvPr id="1" name=""/>
+        <p:cNvGrpSpPr/>
+        <p:nvPr/>
+      </p:nvGrpSpPr>
+      <p:grpSpPr>
+        <a:xfrm>
+          <a:off x="0" y="0"/>
+          <a:ext cx="0" cy="0"/>
+          <a:chOff x="0" y="0"/>
+          <a:chExt cx="0" cy="0"/>
+        </a:xfrm>
+      </p:grpSpPr>
+      <p:sp>
+        <p:nvSpPr>
+          <p:cNvPr id="2" name="Title 1"/>
+          <p:cNvSpPr>
+            <a:spLocks noGrp="1"/>
+          </p:cNvSpPr>
+          <p:nvPr>
+            <p:ph type="title"/>
+          </p:nvPr>
+        </p:nvSpPr>
+        <p:spPr/>
+        <p:txBody>
+          <a:bodyPr/>
+          <a:lstStyle/>
+          <a:p>
+            <a:r>
+              <a:rPr lang="en-GB" dirty="0" smtClean="0"/>
+              <a:t>Front positions</a:t>
+            </a:r>
+            <a:endParaRPr lang="en-GB" dirty="0"/>
+          </a:p>
+        </p:txBody>
+      </p:sp>
+      <p:sp>
+        <p:nvSpPr>
+          <p:cNvPr id="3" name="Content Placeholder 2"/>
+          <p:cNvSpPr>
+            <a:spLocks noGrp="1"/>
+          </p:cNvSpPr>
+          <p:nvPr>
+            <p:ph sz="quarter" idx="10"/>
+          </p:nvPr>
+        </p:nvSpPr>
+        <p:spPr/>
+        <p:txBody>
+          <a:bodyPr/>
+          <a:lstStyle/>
+          <a:p>
+            <a:endParaRPr lang="en-GB"/>
+          </a:p>
+        </p:txBody>
+      </p:sp>
+    </p:spTree>
+    <p:extLst>
+      <p:ext uri="{BB962C8B-B14F-4D97-AF65-F5344CB8AC3E}">
+        <p14:creationId xmlns:p14="http://schemas.microsoft.com/office/powerpoint/2010/main" val="928236563"/>
+      </p:ext>
+    </p:extLst>
+  </p:cSld>
+  <p:clrMapOvr>
+    <a:masterClrMapping/>
+  </p:clrMapOvr>
+  <p:timing>
+    <p:tnLst>
+      <p:par>
+        <p:cTn id="1" dur="indefinite" restart="never" nodeType="tmRoot"/>
+      </p:par>
+    </p:tnLst>
+  </p:timing>
+</p:sld>
+</file>
+
+<file path=ppt/slides/slide15.xml><?xml version="1.0" encoding="utf-8"?>
+<p:sld xmlns:a="http://schemas.openxmlformats.org/drawingml/2006/main" xmlns:r="http://schemas.openxmlformats.org/officeDocument/2006/relationships" xmlns:p="http://schemas.openxmlformats.org/presentationml/2006/main">
+  <p:cSld>
+    <p:spTree>
+      <p:nvGrpSpPr>
+        <p:cNvPr id="1" name=""/>
+        <p:cNvGrpSpPr/>
+        <p:nvPr/>
+      </p:nvGrpSpPr>
+      <p:grpSpPr>
+        <a:xfrm>
+          <a:off x="0" y="0"/>
+          <a:ext cx="0" cy="0"/>
+          <a:chOff x="0" y="0"/>
+          <a:chExt cx="0" cy="0"/>
+        </a:xfrm>
+      </p:grpSpPr>
+      <p:sp>
+        <p:nvSpPr>
+          <p:cNvPr id="2" name="Title 1"/>
+          <p:cNvSpPr>
+            <a:spLocks noGrp="1"/>
+          </p:cNvSpPr>
+          <p:nvPr>
+            <p:ph type="title"/>
+          </p:nvPr>
+        </p:nvSpPr>
+        <p:spPr/>
+        <p:txBody>
+          <a:bodyPr/>
+          <a:lstStyle/>
+          <a:p>
+            <a:r>
+              <a:rPr lang="en-GB" dirty="0" smtClean="0"/>
+              <a:t>Front widths</a:t>
+            </a:r>
+            <a:endParaRPr lang="en-GB" dirty="0"/>
+          </a:p>
+        </p:txBody>
+      </p:sp>
+      <p:sp>
+        <p:nvSpPr>
+          <p:cNvPr id="3" name="Content Placeholder 2"/>
+          <p:cNvSpPr>
+            <a:spLocks noGrp="1"/>
+          </p:cNvSpPr>
+          <p:nvPr>
+            <p:ph sz="quarter" idx="10"/>
+          </p:nvPr>
+        </p:nvSpPr>
+        <p:spPr/>
+        <p:txBody>
+          <a:bodyPr/>
+          <a:lstStyle/>
+          <a:p>
+            <a:endParaRPr lang="en-GB"/>
+          </a:p>
+        </p:txBody>
+      </p:sp>
+    </p:spTree>
+    <p:extLst>
+      <p:ext uri="{BB962C8B-B14F-4D97-AF65-F5344CB8AC3E}">
+        <p14:creationId xmlns:p14="http://schemas.microsoft.com/office/powerpoint/2010/main" val="3079061346"/>
+      </p:ext>
+    </p:extLst>
+  </p:cSld>
+  <p:clrMapOvr>
+    <a:masterClrMapping/>
+  </p:clrMapOvr>
+  <p:timing>
+    <p:tnLst>
+      <p:par>
+        <p:cTn id="1" dur="indefinite" restart="never" nodeType="tmRoot"/>
+      </p:par>
+    </p:tnLst>
+  </p:timing>
+</p:sld>
+</file>
+
+<file path=ppt/slides/slide16.xml><?xml version="1.0" encoding="utf-8"?>
+<p:sld xmlns:a="http://schemas.openxmlformats.org/drawingml/2006/main" xmlns:r="http://schemas.openxmlformats.org/officeDocument/2006/relationships" xmlns:p="http://schemas.openxmlformats.org/presentationml/2006/main">
+  <p:cSld>
+    <p:spTree>
+      <p:nvGrpSpPr>
+        <p:cNvPr id="1" name=""/>
+        <p:cNvGrpSpPr/>
+        <p:nvPr/>
+      </p:nvGrpSpPr>
+      <p:grpSpPr>
+        <a:xfrm>
+          <a:off x="0" y="0"/>
+          <a:ext cx="0" cy="0"/>
+          <a:chOff x="0" y="0"/>
+          <a:chExt cx="0" cy="0"/>
+        </a:xfrm>
+      </p:grpSpPr>
+      <p:sp>
+        <p:nvSpPr>
+          <p:cNvPr id="2" name="Title 1"/>
+          <p:cNvSpPr>
+            <a:spLocks noGrp="1"/>
+          </p:cNvSpPr>
+          <p:nvPr>
+            <p:ph type="title"/>
+          </p:nvPr>
+        </p:nvSpPr>
+        <p:spPr/>
+        <p:txBody>
+          <a:bodyPr/>
+          <a:lstStyle/>
+          <a:p>
+            <a:r>
+              <a:rPr lang="en-GB" dirty="0" smtClean="0"/>
+              <a:t>Total product formed</a:t>
+            </a:r>
+            <a:endParaRPr lang="en-GB" dirty="0"/>
+          </a:p>
+        </p:txBody>
+      </p:sp>
+      <p:sp>
+        <p:nvSpPr>
+          <p:cNvPr id="3" name="Content Placeholder 2"/>
+          <p:cNvSpPr>
+            <a:spLocks noGrp="1"/>
+          </p:cNvSpPr>
+          <p:nvPr>
+            <p:ph sz="quarter" idx="10"/>
+          </p:nvPr>
+        </p:nvSpPr>
+        <p:spPr/>
+        <p:txBody>
+          <a:bodyPr/>
+          <a:lstStyle/>
+          <a:p>
+            <a:endParaRPr lang="en-GB"/>
+          </a:p>
+        </p:txBody>
+      </p:sp>
+    </p:spTree>
+    <p:extLst>
+      <p:ext uri="{BB962C8B-B14F-4D97-AF65-F5344CB8AC3E}">
+        <p14:creationId xmlns:p14="http://schemas.microsoft.com/office/powerpoint/2010/main" val="104955524"/>
+      </p:ext>
+    </p:extLst>
+  </p:cSld>
+  <p:clrMapOvr>
+    <a:masterClrMapping/>
+  </p:clrMapOvr>
+  <p:timing>
+    <p:tnLst>
+      <p:par>
+        <p:cTn id="1" dur="indefinite" restart="never" nodeType="tmRoot"/>
+      </p:par>
+    </p:tnLst>
+  </p:timing>
+</p:sld>
+</file>
+
+<file path=ppt/slides/slide17.xml><?xml version="1.0" encoding="utf-8"?>
+<p:sld xmlns:a="http://schemas.openxmlformats.org/drawingml/2006/main" xmlns:r="http://schemas.openxmlformats.org/officeDocument/2006/relationships" xmlns:p="http://schemas.openxmlformats.org/presentationml/2006/main">
+  <p:cSld>
+    <p:spTree>
+      <p:nvGrpSpPr>
+        <p:cNvPr id="1" name=""/>
+        <p:cNvGrpSpPr/>
+        <p:nvPr/>
+      </p:nvGrpSpPr>
+      <p:grpSpPr>
+        <a:xfrm>
+          <a:off x="0" y="0"/>
+          <a:ext cx="0" cy="0"/>
+          <a:chOff x="0" y="0"/>
+          <a:chExt cx="0" cy="0"/>
+        </a:xfrm>
+      </p:grpSpPr>
+      <p:sp>
+        <p:nvSpPr>
+          <p:cNvPr id="5" name="Rechteck 4"/>
+          <p:cNvSpPr/>
+          <p:nvPr/>
+        </p:nvSpPr>
+        <p:spPr>
+          <a:xfrm>
+            <a:off x="1524000" y="-1"/>
+            <a:ext cx="9144000" cy="6092825"/>
+          </a:xfrm>
+          <a:prstGeom prst="rect">
+            <a:avLst/>
+          </a:prstGeom>
+          <a:gradFill>
+            <a:gsLst>
+              <a:gs pos="14000">
+                <a:schemeClr val="tx2"/>
+              </a:gs>
+              <a:gs pos="100000">
+                <a:schemeClr val="accent2"/>
+              </a:gs>
+            </a:gsLst>
+            <a:lin ang="15000000" scaled="0"/>
+          </a:gradFill>
+          <a:ln>
+            <a:noFill/>
+          </a:ln>
+        </p:spPr>
+        <p:style>
+          <a:lnRef idx="2">
+            <a:schemeClr val="accent1">
+              <a:shade val="50000"/>
+            </a:schemeClr>
+          </a:lnRef>
+          <a:fillRef idx="1">
+            <a:schemeClr val="accent1"/>
+          </a:fillRef>
+          <a:effectRef idx="0">
+            <a:schemeClr val="accent1"/>
+          </a:effectRef>
+          <a:fontRef idx="minor">
+            <a:schemeClr val="lt1"/>
+          </a:fontRef>
+        </p:style>
+        <p:txBody>
+          <a:bodyPr rtlCol="0" anchor="ctr"/>
+          <a:lstStyle/>
+          <a:p>
+            <a:pPr algn="ctr"/>
+            <a:endParaRPr lang="de-DE" dirty="0"/>
+          </a:p>
+        </p:txBody>
+      </p:sp>
+      <p:sp>
+        <p:nvSpPr>
+          <p:cNvPr id="2" name="Titel 1"/>
+          <p:cNvSpPr>
+            <a:spLocks noGrp="1"/>
+          </p:cNvSpPr>
+          <p:nvPr>
+            <p:ph type="title"/>
+          </p:nvPr>
+        </p:nvSpPr>
+        <p:spPr/>
+        <p:txBody>
+          <a:bodyPr/>
+          <a:lstStyle/>
+          <a:p>
+            <a:pPr lvl="5"/>
+            <a:r>
+              <a:rPr lang="de-DE" sz="3600" b="1" dirty="0" err="1" smtClean="0">
+                <a:solidFill>
+                  <a:schemeClr val="bg1"/>
+                </a:solidFill>
+                <a:latin typeface="+mj-lt"/>
+              </a:rPr>
+              <a:t>Thank</a:t>
+            </a:r>
+            <a:r>
+              <a:rPr lang="de-DE" sz="3600" b="1" dirty="0" smtClean="0">
+                <a:solidFill>
+                  <a:schemeClr val="bg1"/>
+                </a:solidFill>
+                <a:latin typeface="+mj-lt"/>
+              </a:rPr>
+              <a:t> </a:t>
+            </a:r>
+            <a:r>
+              <a:rPr lang="de-DE" sz="3600" b="1" dirty="0" err="1" smtClean="0">
+                <a:solidFill>
+                  <a:schemeClr val="bg1"/>
+                </a:solidFill>
+                <a:latin typeface="+mj-lt"/>
+              </a:rPr>
+              <a:t>you</a:t>
+            </a:r>
+            <a:r>
+              <a:rPr lang="de-DE" sz="3600" b="1" dirty="0" smtClean="0">
+                <a:solidFill>
+                  <a:schemeClr val="bg1"/>
+                </a:solidFill>
+                <a:latin typeface="+mj-lt"/>
+              </a:rPr>
+              <a:t> </a:t>
+            </a:r>
+            <a:r>
+              <a:rPr lang="de-DE" sz="3600" b="1" dirty="0" err="1" smtClean="0">
+                <a:solidFill>
+                  <a:schemeClr val="bg1"/>
+                </a:solidFill>
+                <a:latin typeface="+mj-lt"/>
+              </a:rPr>
+              <a:t>for</a:t>
+            </a:r>
+            <a:r>
+              <a:rPr lang="de-DE" sz="3600" b="1" dirty="0" smtClean="0">
+                <a:solidFill>
+                  <a:schemeClr val="bg1"/>
+                </a:solidFill>
+                <a:latin typeface="+mj-lt"/>
+              </a:rPr>
+              <a:t> </a:t>
+            </a:r>
+            <a:r>
+              <a:rPr lang="de-DE" sz="3600" b="1" dirty="0" err="1" smtClean="0">
+                <a:solidFill>
+                  <a:schemeClr val="bg1"/>
+                </a:solidFill>
+                <a:latin typeface="+mj-lt"/>
+              </a:rPr>
+              <a:t>attention</a:t>
+            </a:r>
+            <a:endParaRPr lang="de-DE" sz="3600" dirty="0">
+              <a:solidFill>
+                <a:schemeClr val="bg1"/>
+              </a:solidFill>
+              <a:latin typeface="+mj-lt"/>
+            </a:endParaRPr>
+          </a:p>
+        </p:txBody>
+      </p:sp>
+    </p:spTree>
+    <p:custDataLst>
+      <p:tags r:id="rId1"/>
+    </p:custDataLst>
+    <p:extLst>
+      <p:ext uri="{BB962C8B-B14F-4D97-AF65-F5344CB8AC3E}">
+        <p14:creationId xmlns:p14="http://schemas.microsoft.com/office/powerpoint/2010/main" val="1874406235"/>
       </p:ext>
     </p:extLst>
   </p:cSld>
@@ -7412,7 +8459,19 @@
           <a:bodyPr/>
           <a:lstStyle/>
           <a:p>
-            <a:endParaRPr lang="de-DE"/>
+            <a:r>
+              <a:rPr lang="de-DE" dirty="0" err="1" smtClean="0"/>
+              <a:t>Governing</a:t>
+            </a:r>
+            <a:r>
+              <a:rPr lang="de-DE" dirty="0" smtClean="0"/>
+              <a:t> </a:t>
+            </a:r>
+            <a:r>
+              <a:rPr lang="de-DE" dirty="0" err="1" smtClean="0"/>
+              <a:t>equations</a:t>
+            </a:r>
+            <a:endParaRPr lang="de-DE" dirty="0"/>
           </a:p>
         </p:txBody>
       </p:sp>
@@ -7431,10 +8490,252 @@
           <a:bodyPr/>
           <a:lstStyle/>
           <a:p>
-            <a:endParaRPr lang="de-DE"/>
+            <a:pPr marL="285750" indent="-285750">
+              <a:buFont typeface="Arial" panose="020B0604020202020204" pitchFamily="34" charset="0"/>
+              <a:buChar char="•"/>
+            </a:pPr>
+            <a:r>
+              <a:rPr lang="de-DE" dirty="0" err="1" smtClean="0"/>
+              <a:t>Mass</a:t>
+            </a:r>
+            <a:r>
+              <a:rPr lang="de-DE" dirty="0" smtClean="0"/>
+              <a:t> </a:t>
+            </a:r>
+            <a:r>
+              <a:rPr lang="de-DE" dirty="0" err="1" smtClean="0"/>
+              <a:t>conservation</a:t>
+            </a:r>
+            <a:endParaRPr lang="de-DE" dirty="0" smtClean="0"/>
+          </a:p>
+          <a:p>
+            <a:pPr marL="681692" lvl="1" indent="-285750">
+              <a:buFont typeface="Arial" panose="020B0604020202020204" pitchFamily="34" charset="0"/>
+              <a:buChar char="•"/>
+            </a:pPr>
+            <a:r>
+              <a:rPr lang="de-DE" dirty="0" err="1" smtClean="0"/>
+              <a:t>Continuity</a:t>
+            </a:r>
+            <a:r>
+              <a:rPr lang="de-DE" dirty="0" smtClean="0"/>
+              <a:t> </a:t>
+            </a:r>
+            <a:r>
+              <a:rPr lang="de-DE" dirty="0" err="1" smtClean="0"/>
+              <a:t>equation</a:t>
+            </a:r>
+            <a:endParaRPr lang="de-DE" dirty="0" smtClean="0"/>
+          </a:p>
+          <a:p>
+            <a:pPr marL="681692" lvl="1" indent="-285750">
+              <a:buFont typeface="Arial" panose="020B0604020202020204" pitchFamily="34" charset="0"/>
+              <a:buChar char="•"/>
+            </a:pPr>
+            <a:endParaRPr lang="de-DE" dirty="0"/>
+          </a:p>
+          <a:p>
+            <a:pPr lvl="1" indent="0">
+              <a:buNone/>
+            </a:pPr>
+            <a:endParaRPr lang="de-DE" dirty="0"/>
+          </a:p>
+          <a:p>
+            <a:pPr marL="681692" lvl="1" indent="-285750">
+              <a:buFont typeface="Arial" panose="020B0604020202020204" pitchFamily="34" charset="0"/>
+              <a:buChar char="•"/>
+            </a:pPr>
+            <a:endParaRPr lang="de-DE" dirty="0" smtClean="0"/>
+          </a:p>
+          <a:p>
+            <a:pPr marL="681692" lvl="1" indent="-285750">
+              <a:buFont typeface="Arial" panose="020B0604020202020204" pitchFamily="34" charset="0"/>
+              <a:buChar char="•"/>
+            </a:pPr>
+            <a:r>
+              <a:rPr lang="de-DE" dirty="0" err="1" smtClean="0"/>
+              <a:t>Momentum</a:t>
+            </a:r>
+            <a:r>
+              <a:rPr lang="de-DE" dirty="0" smtClean="0"/>
+              <a:t> </a:t>
+            </a:r>
+            <a:r>
+              <a:rPr lang="de-DE" dirty="0" err="1" smtClean="0"/>
+              <a:t>equations</a:t>
+            </a:r>
+            <a:endParaRPr lang="de-DE" dirty="0" smtClean="0"/>
+          </a:p>
+          <a:p>
+            <a:pPr marL="861666" lvl="4" indent="-285750">
+              <a:buFont typeface="Arial" panose="020B0604020202020204" pitchFamily="34" charset="0"/>
+              <a:buChar char="•"/>
+            </a:pPr>
+            <a:r>
+              <a:rPr lang="de-DE" dirty="0" smtClean="0"/>
+              <a:t>Radial </a:t>
+            </a:r>
+            <a:r>
+              <a:rPr lang="de-DE" dirty="0" err="1" smtClean="0"/>
+              <a:t>momentum</a:t>
+            </a:r>
+            <a:r>
+              <a:rPr lang="de-DE" dirty="0" smtClean="0"/>
+              <a:t> </a:t>
+            </a:r>
+            <a:r>
+              <a:rPr lang="de-DE" dirty="0" err="1" smtClean="0"/>
+              <a:t>equation</a:t>
+            </a:r>
+            <a:endParaRPr lang="de-DE" dirty="0" smtClean="0"/>
+          </a:p>
+          <a:p>
+            <a:pPr lvl="4" indent="0">
+              <a:buNone/>
+            </a:pPr>
+            <a:endParaRPr lang="de-DE" dirty="0"/>
+          </a:p>
+          <a:p>
+            <a:pPr lvl="4" indent="0">
+              <a:buNone/>
+            </a:pPr>
+            <a:endParaRPr lang="de-DE" dirty="0" smtClean="0"/>
+          </a:p>
+          <a:p>
+            <a:pPr lvl="4" indent="0">
+              <a:buNone/>
+            </a:pPr>
+            <a:endParaRPr lang="de-DE" dirty="0"/>
+          </a:p>
+          <a:p>
+            <a:pPr marL="861666" lvl="4" indent="-285750">
+              <a:buFont typeface="Arial" panose="020B0604020202020204" pitchFamily="34" charset="0"/>
+              <a:buChar char="•"/>
+            </a:pPr>
+            <a:endParaRPr lang="de-DE" dirty="0" smtClean="0"/>
+          </a:p>
+          <a:p>
+            <a:pPr marL="861666" lvl="4" indent="-285750">
+              <a:buFont typeface="Arial" panose="020B0604020202020204" pitchFamily="34" charset="0"/>
+              <a:buChar char="•"/>
+            </a:pPr>
+            <a:endParaRPr lang="de-DE" dirty="0" smtClean="0"/>
+          </a:p>
+          <a:p>
+            <a:pPr marL="861666" lvl="4" indent="-285750">
+              <a:buFont typeface="Arial" panose="020B0604020202020204" pitchFamily="34" charset="0"/>
+              <a:buChar char="•"/>
+            </a:pPr>
+            <a:r>
+              <a:rPr lang="de-DE" dirty="0" smtClean="0"/>
+              <a:t>Axial </a:t>
+            </a:r>
+            <a:r>
+              <a:rPr lang="de-DE" dirty="0" err="1" smtClean="0"/>
+              <a:t>momentum</a:t>
+            </a:r>
+            <a:r>
+              <a:rPr lang="de-DE" dirty="0" smtClean="0"/>
+              <a:t> </a:t>
+            </a:r>
+            <a:r>
+              <a:rPr lang="de-DE" dirty="0" err="1" smtClean="0"/>
+              <a:t>equation</a:t>
+            </a:r>
+            <a:endParaRPr lang="de-DE" dirty="0" smtClean="0"/>
           </a:p>
         </p:txBody>
       </p:sp>
+      <p:pic>
+        <p:nvPicPr>
+          <p:cNvPr id="2" name="Picture 1"/>
+          <p:cNvPicPr>
+            <a:picLocks noChangeAspect="1"/>
+          </p:cNvPicPr>
+          <p:nvPr/>
+        </p:nvPicPr>
+        <p:blipFill>
+          <a:blip r:embed="rId2">
+            <a:extLst>
+              <a:ext uri="{28A0092B-C50C-407E-A947-70E740481C1C}">
+                <a14:useLocalDpi xmlns:a14="http://schemas.microsoft.com/office/drawing/2010/main" val="0"/>
+              </a:ext>
+            </a:extLst>
+          </a:blip>
+          <a:stretch>
+            <a:fillRect/>
+          </a:stretch>
+        </p:blipFill>
+        <p:spPr>
+          <a:xfrm>
+            <a:off x="5243398" y="2726023"/>
+            <a:ext cx="4320000" cy="1257016"/>
+          </a:xfrm>
+          <a:prstGeom prst="rect">
+            <a:avLst/>
+          </a:prstGeom>
+        </p:spPr>
+      </p:pic>
+      <p:pic>
+        <p:nvPicPr>
+          <p:cNvPr id="3" name="Picture 2"/>
+          <p:cNvPicPr>
+            <a:picLocks noChangeAspect="1"/>
+          </p:cNvPicPr>
+          <p:nvPr/>
+        </p:nvPicPr>
+        <p:blipFill>
+          <a:blip r:embed="rId3">
+            <a:extLst>
+              <a:ext uri="{28A0092B-C50C-407E-A947-70E740481C1C}">
+                <a14:useLocalDpi xmlns:a14="http://schemas.microsoft.com/office/drawing/2010/main" val="0"/>
+              </a:ext>
+            </a:extLst>
+          </a:blip>
+          <a:stretch>
+            <a:fillRect/>
+          </a:stretch>
+        </p:blipFill>
+        <p:spPr>
+          <a:xfrm>
+            <a:off x="6171554" y="1517391"/>
+            <a:ext cx="2463687" cy="611553"/>
+          </a:xfrm>
+          <a:prstGeom prst="rect">
+            <a:avLst/>
+          </a:prstGeom>
+        </p:spPr>
+      </p:pic>
+      <p:pic>
+        <p:nvPicPr>
+          <p:cNvPr id="4" name="Picture 3"/>
+          <p:cNvPicPr>
+            <a:picLocks noChangeAspect="1"/>
+          </p:cNvPicPr>
+          <p:nvPr/>
+        </p:nvPicPr>
+        <p:blipFill>
+          <a:blip r:embed="rId4">
+            <a:extLst>
+              <a:ext uri="{28A0092B-C50C-407E-A947-70E740481C1C}">
+                <a14:useLocalDpi xmlns:a14="http://schemas.microsoft.com/office/drawing/2010/main" val="0"/>
+              </a:ext>
+            </a:extLst>
+          </a:blip>
+          <a:stretch>
+            <a:fillRect/>
+          </a:stretch>
+        </p:blipFill>
+        <p:spPr>
+          <a:xfrm>
+            <a:off x="5243398" y="4580118"/>
+            <a:ext cx="4320000" cy="929261"/>
+          </a:xfrm>
+          <a:prstGeom prst="rect">
+            <a:avLst/>
+          </a:prstGeom>
+        </p:spPr>
+      </p:pic>
     </p:spTree>
     <p:extLst>
       <p:ext uri="{BB962C8B-B14F-4D97-AF65-F5344CB8AC3E}">
@@ -7448,9 +8749,208 @@
   <p:timing>
     <p:tnLst>
       <p:par>
-        <p:cTn id="1" dur="indefinite" restart="never" nodeType="tmRoot"/>
+        <p:cTn id="1" dur="indefinite" restart="never" nodeType="tmRoot">
+          <p:childTnLst>
+            <p:seq concurrent="1" nextAc="seek">
+              <p:cTn id="2" dur="indefinite" nodeType="mainSeq">
+                <p:childTnLst>
+                  <p:par>
+                    <p:cTn id="3" fill="hold">
+                      <p:stCondLst>
+                        <p:cond delay="indefinite"/>
+                      </p:stCondLst>
+                      <p:childTnLst>
+                        <p:par>
+                          <p:cTn id="4" fill="hold">
+                            <p:stCondLst>
+                              <p:cond delay="0"/>
+                            </p:stCondLst>
+                            <p:childTnLst>
+                              <p:par>
+                                <p:cTn id="5" presetID="1" presetClass="entr" presetSubtype="0" fill="hold" grpId="0" nodeType="clickEffect">
+                                  <p:stCondLst>
+                                    <p:cond delay="0"/>
+                                  </p:stCondLst>
+                                  <p:childTnLst>
+                                    <p:set>
+                                      <p:cBhvr>
+                                        <p:cTn id="6" dur="1" fill="hold">
+                                          <p:stCondLst>
+                                            <p:cond delay="0"/>
+                                          </p:stCondLst>
+                                        </p:cTn>
+                                        <p:tgtEl>
+                                          <p:spTgt spid="6">
+                                            <p:txEl>
+                                              <p:pRg st="0" end="0"/>
+                                            </p:txEl>
+                                          </p:spTgt>
+                                        </p:tgtEl>
+                                        <p:attrNameLst>
+                                          <p:attrName>style.visibility</p:attrName>
+                                        </p:attrNameLst>
+                                      </p:cBhvr>
+                                      <p:to>
+                                        <p:strVal val="visible"/>
+                                      </p:to>
+                                    </p:set>
+                                  </p:childTnLst>
+                                </p:cTn>
+                              </p:par>
+                              <p:par>
+                                <p:cTn id="7" presetID="1" presetClass="entr" presetSubtype="0" fill="hold" grpId="0" nodeType="withEffect">
+                                  <p:stCondLst>
+                                    <p:cond delay="0"/>
+                                  </p:stCondLst>
+                                  <p:childTnLst>
+                                    <p:set>
+                                      <p:cBhvr>
+                                        <p:cTn id="8" dur="1" fill="hold">
+                                          <p:stCondLst>
+                                            <p:cond delay="0"/>
+                                          </p:stCondLst>
+                                        </p:cTn>
+                                        <p:tgtEl>
+                                          <p:spTgt spid="6">
+                                            <p:txEl>
+                                              <p:pRg st="1" end="1"/>
+                                            </p:txEl>
+                                          </p:spTgt>
+                                        </p:tgtEl>
+                                        <p:attrNameLst>
+                                          <p:attrName>style.visibility</p:attrName>
+                                        </p:attrNameLst>
+                                      </p:cBhvr>
+                                      <p:to>
+                                        <p:strVal val="visible"/>
+                                      </p:to>
+                                    </p:set>
+                                  </p:childTnLst>
+                                </p:cTn>
+                              </p:par>
+                              <p:par>
+                                <p:cTn id="9" presetID="1" presetClass="entr" presetSubtype="0" fill="hold" grpId="0" nodeType="withEffect">
+                                  <p:stCondLst>
+                                    <p:cond delay="0"/>
+                                  </p:stCondLst>
+                                  <p:childTnLst>
+                                    <p:set>
+                                      <p:cBhvr>
+                                        <p:cTn id="10" dur="1" fill="hold">
+                                          <p:stCondLst>
+                                            <p:cond delay="0"/>
+                                          </p:stCondLst>
+                                        </p:cTn>
+                                        <p:tgtEl>
+                                          <p:spTgt spid="6">
+                                            <p:txEl>
+                                              <p:pRg st="5" end="5"/>
+                                            </p:txEl>
+                                          </p:spTgt>
+                                        </p:tgtEl>
+                                        <p:attrNameLst>
+                                          <p:attrName>style.visibility</p:attrName>
+                                        </p:attrNameLst>
+                                      </p:cBhvr>
+                                      <p:to>
+                                        <p:strVal val="visible"/>
+                                      </p:to>
+                                    </p:set>
+                                  </p:childTnLst>
+                                </p:cTn>
+                              </p:par>
+                              <p:par>
+                                <p:cTn id="11" presetID="1" presetClass="entr" presetSubtype="0" fill="hold" grpId="0" nodeType="withEffect">
+                                  <p:stCondLst>
+                                    <p:cond delay="0"/>
+                                  </p:stCondLst>
+                                  <p:childTnLst>
+                                    <p:set>
+                                      <p:cBhvr>
+                                        <p:cTn id="12" dur="1" fill="hold">
+                                          <p:stCondLst>
+                                            <p:cond delay="0"/>
+                                          </p:stCondLst>
+                                        </p:cTn>
+                                        <p:tgtEl>
+                                          <p:spTgt spid="6">
+                                            <p:txEl>
+                                              <p:pRg st="6" end="6"/>
+                                            </p:txEl>
+                                          </p:spTgt>
+                                        </p:tgtEl>
+                                        <p:attrNameLst>
+                                          <p:attrName>style.visibility</p:attrName>
+                                        </p:attrNameLst>
+                                      </p:cBhvr>
+                                      <p:to>
+                                        <p:strVal val="visible"/>
+                                      </p:to>
+                                    </p:set>
+                                  </p:childTnLst>
+                                </p:cTn>
+                              </p:par>
+                              <p:par>
+                                <p:cTn id="13" presetID="1" presetClass="entr" presetSubtype="0" fill="hold" grpId="0" nodeType="withEffect">
+                                  <p:stCondLst>
+                                    <p:cond delay="0"/>
+                                  </p:stCondLst>
+                                  <p:childTnLst>
+                                    <p:set>
+                                      <p:cBhvr>
+                                        <p:cTn id="14" dur="1" fill="hold">
+                                          <p:stCondLst>
+                                            <p:cond delay="0"/>
+                                          </p:stCondLst>
+                                        </p:cTn>
+                                        <p:tgtEl>
+                                          <p:spTgt spid="6">
+                                            <p:txEl>
+                                              <p:pRg st="12" end="12"/>
+                                            </p:txEl>
+                                          </p:spTgt>
+                                        </p:tgtEl>
+                                        <p:attrNameLst>
+                                          <p:attrName>style.visibility</p:attrName>
+                                        </p:attrNameLst>
+                                      </p:cBhvr>
+                                      <p:to>
+                                        <p:strVal val="visible"/>
+                                      </p:to>
+                                    </p:set>
+                                  </p:childTnLst>
+                                </p:cTn>
+                              </p:par>
+                            </p:childTnLst>
+                          </p:cTn>
+                        </p:par>
+                      </p:childTnLst>
+                    </p:cTn>
+                  </p:par>
+                </p:childTnLst>
+              </p:cTn>
+              <p:prevCondLst>
+                <p:cond evt="onPrev" delay="0">
+                  <p:tgtEl>
+                    <p:sldTgt/>
+                  </p:tgtEl>
+                </p:cond>
+              </p:prevCondLst>
+              <p:nextCondLst>
+                <p:cond evt="onNext" delay="0">
+                  <p:tgtEl>
+                    <p:sldTgt/>
+                  </p:tgtEl>
+                </p:cond>
+              </p:nextCondLst>
+            </p:seq>
+          </p:childTnLst>
+        </p:cTn>
       </p:par>
     </p:tnLst>
+    <p:bldLst>
+      <p:bldP spid="6" grpId="0" uiExpand="1" build="p"/>
+    </p:bldLst>
   </p:timing>
 </p:sld>
 </file>
@@ -7489,6 +8989,732 @@
           <a:p>
             <a:r>
               <a:rPr lang="en-GB" dirty="0" smtClean="0"/>
+              <a:t>Governing equations</a:t>
+            </a:r>
+            <a:endParaRPr lang="en-GB" dirty="0"/>
+          </a:p>
+        </p:txBody>
+      </p:sp>
+      <p:sp>
+        <p:nvSpPr>
+          <p:cNvPr id="3" name="Content Placeholder 2"/>
+          <p:cNvSpPr>
+            <a:spLocks noGrp="1"/>
+          </p:cNvSpPr>
+          <p:nvPr>
+            <p:ph sz="quarter" idx="10"/>
+          </p:nvPr>
+        </p:nvSpPr>
+        <p:spPr/>
+        <p:txBody>
+          <a:bodyPr/>
+          <a:lstStyle/>
+          <a:p>
+            <a:pPr marL="285750" indent="-285750">
+              <a:buFont typeface="Arial" panose="020B0604020202020204" pitchFamily="34" charset="0"/>
+              <a:buChar char="•"/>
+            </a:pPr>
+            <a:r>
+              <a:rPr lang="en-GB" dirty="0" smtClean="0"/>
+              <a:t>Energy equation</a:t>
+            </a:r>
+          </a:p>
+          <a:p>
+            <a:endParaRPr lang="en-GB" dirty="0"/>
+          </a:p>
+          <a:p>
+            <a:endParaRPr lang="en-GB" dirty="0" smtClean="0"/>
+          </a:p>
+          <a:p>
+            <a:endParaRPr lang="en-GB" dirty="0"/>
+          </a:p>
+          <a:p>
+            <a:pPr marL="285750" indent="-285750">
+              <a:buFont typeface="Arial" panose="020B0604020202020204" pitchFamily="34" charset="0"/>
+              <a:buChar char="•"/>
+            </a:pPr>
+            <a:r>
+              <a:rPr lang="en-GB" dirty="0" smtClean="0"/>
+              <a:t>Species distribution equations</a:t>
+            </a:r>
+            <a:endParaRPr lang="en-GB" dirty="0"/>
+          </a:p>
+        </p:txBody>
+      </p:sp>
+      <p:pic>
+        <p:nvPicPr>
+          <p:cNvPr id="4" name="Picture 3"/>
+          <p:cNvPicPr>
+            <a:picLocks noChangeAspect="1"/>
+          </p:cNvPicPr>
+          <p:nvPr/>
+        </p:nvPicPr>
+        <p:blipFill>
+          <a:blip r:embed="rId2">
+            <a:extLst>
+              <a:ext uri="{28A0092B-C50C-407E-A947-70E740481C1C}">
+                <a14:useLocalDpi xmlns:a14="http://schemas.microsoft.com/office/drawing/2010/main" val="0"/>
+              </a:ext>
+            </a:extLst>
+          </a:blip>
+          <a:stretch>
+            <a:fillRect/>
+          </a:stretch>
+        </p:blipFill>
+        <p:spPr>
+          <a:xfrm>
+            <a:off x="3193927" y="3656806"/>
+            <a:ext cx="5020376" cy="2029108"/>
+          </a:xfrm>
+          <a:prstGeom prst="rect">
+            <a:avLst/>
+          </a:prstGeom>
+        </p:spPr>
+      </p:pic>
+      <p:pic>
+        <p:nvPicPr>
+          <p:cNvPr id="5" name="Picture 4"/>
+          <p:cNvPicPr>
+            <a:picLocks noChangeAspect="1"/>
+          </p:cNvPicPr>
+          <p:nvPr/>
+        </p:nvPicPr>
+        <p:blipFill>
+          <a:blip r:embed="rId3">
+            <a:extLst>
+              <a:ext uri="{28A0092B-C50C-407E-A947-70E740481C1C}">
+                <a14:useLocalDpi xmlns:a14="http://schemas.microsoft.com/office/drawing/2010/main" val="0"/>
+              </a:ext>
+            </a:extLst>
+          </a:blip>
+          <a:stretch>
+            <a:fillRect/>
+          </a:stretch>
+        </p:blipFill>
+        <p:spPr>
+          <a:xfrm>
+            <a:off x="3193927" y="1903716"/>
+            <a:ext cx="4134427" cy="666843"/>
+          </a:xfrm>
+          <a:prstGeom prst="rect">
+            <a:avLst/>
+          </a:prstGeom>
+        </p:spPr>
+      </p:pic>
+    </p:spTree>
+    <p:extLst>
+      <p:ext uri="{BB962C8B-B14F-4D97-AF65-F5344CB8AC3E}">
+        <p14:creationId xmlns:p14="http://schemas.microsoft.com/office/powerpoint/2010/main" val="1648292803"/>
+      </p:ext>
+    </p:extLst>
+  </p:cSld>
+  <p:clrMapOvr>
+    <a:masterClrMapping/>
+  </p:clrMapOvr>
+  <p:timing>
+    <p:tnLst>
+      <p:par>
+        <p:cTn id="1" dur="indefinite" restart="never" nodeType="tmRoot"/>
+      </p:par>
+    </p:tnLst>
+  </p:timing>
+</p:sld>
+</file>
+
+<file path=ppt/slides/slide6.xml><?xml version="1.0" encoding="utf-8"?>
+<p:sld xmlns:a="http://schemas.openxmlformats.org/drawingml/2006/main" xmlns:r="http://schemas.openxmlformats.org/officeDocument/2006/relationships" xmlns:p="http://schemas.openxmlformats.org/presentationml/2006/main">
+  <p:cSld>
+    <p:spTree>
+      <p:nvGrpSpPr>
+        <p:cNvPr id="1" name=""/>
+        <p:cNvGrpSpPr/>
+        <p:nvPr/>
+      </p:nvGrpSpPr>
+      <p:grpSpPr>
+        <a:xfrm>
+          <a:off x="0" y="0"/>
+          <a:ext cx="0" cy="0"/>
+          <a:chOff x="0" y="0"/>
+          <a:chExt cx="0" cy="0"/>
+        </a:xfrm>
+      </p:grpSpPr>
+      <p:sp>
+        <p:nvSpPr>
+          <p:cNvPr id="2" name="Title 1"/>
+          <p:cNvSpPr>
+            <a:spLocks noGrp="1"/>
+          </p:cNvSpPr>
+          <p:nvPr>
+            <p:ph type="title"/>
+          </p:nvPr>
+        </p:nvSpPr>
+        <p:spPr/>
+        <p:txBody>
+          <a:bodyPr/>
+          <a:lstStyle/>
+          <a:p>
+            <a:r>
+              <a:rPr lang="en-GB" dirty="0" smtClean="0"/>
+              <a:t>Governing equations</a:t>
+            </a:r>
+            <a:endParaRPr lang="en-GB" dirty="0"/>
+          </a:p>
+        </p:txBody>
+      </p:sp>
+      <p:sp>
+        <p:nvSpPr>
+          <p:cNvPr id="3" name="Content Placeholder 2"/>
+          <p:cNvSpPr>
+            <a:spLocks noGrp="1"/>
+          </p:cNvSpPr>
+          <p:nvPr>
+            <p:ph sz="quarter" idx="10"/>
+          </p:nvPr>
+        </p:nvSpPr>
+        <p:spPr/>
+        <p:txBody>
+          <a:bodyPr/>
+          <a:lstStyle/>
+          <a:p>
+            <a:pPr marL="285750" indent="-285750">
+              <a:buFont typeface="Arial" panose="020B0604020202020204" pitchFamily="34" charset="0"/>
+              <a:buChar char="•"/>
+            </a:pPr>
+            <a:r>
+              <a:rPr lang="en-GB" dirty="0" smtClean="0"/>
+              <a:t>Reaction equation</a:t>
+            </a:r>
+          </a:p>
+          <a:p>
+            <a:pPr marL="285750" indent="-285750">
+              <a:buFont typeface="Arial" panose="020B0604020202020204" pitchFamily="34" charset="0"/>
+              <a:buChar char="•"/>
+            </a:pPr>
+            <a:endParaRPr lang="en-GB" dirty="0" smtClean="0"/>
+          </a:p>
+          <a:p>
+            <a:pPr marL="285750" indent="-285750">
+              <a:buFont typeface="Arial" panose="020B0604020202020204" pitchFamily="34" charset="0"/>
+              <a:buChar char="•"/>
+            </a:pPr>
+            <a:endParaRPr lang="en-GB" dirty="0"/>
+          </a:p>
+          <a:p>
+            <a:pPr marL="681692" lvl="1" indent="-285750">
+              <a:buFont typeface="Arial" panose="020B0604020202020204" pitchFamily="34" charset="0"/>
+              <a:buChar char="•"/>
+            </a:pPr>
+            <a:r>
+              <a:rPr lang="en-GB" dirty="0" smtClean="0"/>
+              <a:t>Reaction rate</a:t>
+            </a:r>
+          </a:p>
+          <a:p>
+            <a:pPr marL="681692" lvl="1" indent="-285750">
+              <a:buFont typeface="Arial" panose="020B0604020202020204" pitchFamily="34" charset="0"/>
+              <a:buChar char="•"/>
+            </a:pPr>
+            <a:endParaRPr lang="en-GB" dirty="0"/>
+          </a:p>
+          <a:p>
+            <a:pPr marL="681692" lvl="1" indent="-285750">
+              <a:buFont typeface="Arial" panose="020B0604020202020204" pitchFamily="34" charset="0"/>
+              <a:buChar char="•"/>
+            </a:pPr>
+            <a:endParaRPr lang="en-GB" dirty="0" smtClean="0"/>
+          </a:p>
+          <a:p>
+            <a:pPr marL="681692" lvl="1" indent="-285750">
+              <a:buFont typeface="Arial" panose="020B0604020202020204" pitchFamily="34" charset="0"/>
+              <a:buChar char="•"/>
+            </a:pPr>
+            <a:endParaRPr lang="en-GB" dirty="0"/>
+          </a:p>
+          <a:p>
+            <a:pPr marL="681692" lvl="3" indent="-285750">
+              <a:buFont typeface="Arial" panose="020B0604020202020204" pitchFamily="34" charset="0"/>
+              <a:buChar char="•"/>
+            </a:pPr>
+            <a:r>
+              <a:rPr lang="en-GB" dirty="0" smtClean="0"/>
+              <a:t>Reaction rate constant</a:t>
+            </a:r>
+            <a:endParaRPr lang="en-GB" dirty="0"/>
+          </a:p>
+        </p:txBody>
+      </p:sp>
+      <p:pic>
+        <p:nvPicPr>
+          <p:cNvPr id="4" name="Picture 3"/>
+          <p:cNvPicPr>
+            <a:picLocks noChangeAspect="1"/>
+          </p:cNvPicPr>
+          <p:nvPr/>
+        </p:nvPicPr>
+        <p:blipFill>
+          <a:blip r:embed="rId2">
+            <a:extLst>
+              <a:ext uri="{28A0092B-C50C-407E-A947-70E740481C1C}">
+                <a14:useLocalDpi xmlns:a14="http://schemas.microsoft.com/office/drawing/2010/main" val="0"/>
+              </a:ext>
+            </a:extLst>
+          </a:blip>
+          <a:stretch>
+            <a:fillRect/>
+          </a:stretch>
+        </p:blipFill>
+        <p:spPr>
+          <a:xfrm>
+            <a:off x="1719087" y="3981319"/>
+            <a:ext cx="1409897" cy="638264"/>
+          </a:xfrm>
+          <a:prstGeom prst="rect">
+            <a:avLst/>
+          </a:prstGeom>
+        </p:spPr>
+      </p:pic>
+      <p:pic>
+        <p:nvPicPr>
+          <p:cNvPr id="5" name="Picture 4"/>
+          <p:cNvPicPr>
+            <a:picLocks noChangeAspect="1"/>
+          </p:cNvPicPr>
+          <p:nvPr/>
+        </p:nvPicPr>
+        <p:blipFill>
+          <a:blip r:embed="rId3">
+            <a:extLst>
+              <a:ext uri="{28A0092B-C50C-407E-A947-70E740481C1C}">
+                <a14:useLocalDpi xmlns:a14="http://schemas.microsoft.com/office/drawing/2010/main" val="0"/>
+              </a:ext>
+            </a:extLst>
+          </a:blip>
+          <a:stretch>
+            <a:fillRect/>
+          </a:stretch>
+        </p:blipFill>
+        <p:spPr>
+          <a:xfrm>
+            <a:off x="1494110" y="1851080"/>
+            <a:ext cx="1162212" cy="447737"/>
+          </a:xfrm>
+          <a:prstGeom prst="rect">
+            <a:avLst/>
+          </a:prstGeom>
+        </p:spPr>
+      </p:pic>
+      <p:pic>
+        <p:nvPicPr>
+          <p:cNvPr id="6" name="Picture 5"/>
+          <p:cNvPicPr>
+            <a:picLocks noChangeAspect="1"/>
+          </p:cNvPicPr>
+          <p:nvPr/>
+        </p:nvPicPr>
+        <p:blipFill>
+          <a:blip r:embed="rId4">
+            <a:extLst>
+              <a:ext uri="{28A0092B-C50C-407E-A947-70E740481C1C}">
+                <a14:useLocalDpi xmlns:a14="http://schemas.microsoft.com/office/drawing/2010/main" val="0"/>
+              </a:ext>
+            </a:extLst>
+          </a:blip>
+          <a:stretch>
+            <a:fillRect/>
+          </a:stretch>
+        </p:blipFill>
+        <p:spPr>
+          <a:xfrm>
+            <a:off x="1719087" y="2924024"/>
+            <a:ext cx="1314633" cy="485843"/>
+          </a:xfrm>
+          <a:prstGeom prst="rect">
+            <a:avLst/>
+          </a:prstGeom>
+        </p:spPr>
+      </p:pic>
+      <p:pic>
+        <p:nvPicPr>
+          <p:cNvPr id="7" name="Picture 6"/>
+          <p:cNvPicPr>
+            <a:picLocks noChangeAspect="1"/>
+          </p:cNvPicPr>
+          <p:nvPr/>
+        </p:nvPicPr>
+        <p:blipFill>
+          <a:blip r:embed="rId5">
+            <a:extLst>
+              <a:ext uri="{28A0092B-C50C-407E-A947-70E740481C1C}">
+                <a14:useLocalDpi xmlns:a14="http://schemas.microsoft.com/office/drawing/2010/main" val="0"/>
+              </a:ext>
+            </a:extLst>
+          </a:blip>
+          <a:stretch>
+            <a:fillRect/>
+          </a:stretch>
+        </p:blipFill>
+        <p:spPr>
+          <a:xfrm>
+            <a:off x="4934962" y="4786771"/>
+            <a:ext cx="1695687" cy="657317"/>
+          </a:xfrm>
+          <a:prstGeom prst="rect">
+            <a:avLst/>
+          </a:prstGeom>
+        </p:spPr>
+      </p:pic>
+      <p:pic>
+        <p:nvPicPr>
+          <p:cNvPr id="8" name="Picture 7"/>
+          <p:cNvPicPr>
+            <a:picLocks noChangeAspect="1"/>
+          </p:cNvPicPr>
+          <p:nvPr/>
+        </p:nvPicPr>
+        <p:blipFill>
+          <a:blip r:embed="rId6">
+            <a:extLst>
+              <a:ext uri="{28A0092B-C50C-407E-A947-70E740481C1C}">
+                <a14:useLocalDpi xmlns:a14="http://schemas.microsoft.com/office/drawing/2010/main" val="0"/>
+              </a:ext>
+            </a:extLst>
+          </a:blip>
+          <a:stretch>
+            <a:fillRect/>
+          </a:stretch>
+        </p:blipFill>
+        <p:spPr>
+          <a:xfrm>
+            <a:off x="2424035" y="4810588"/>
+            <a:ext cx="1924319" cy="609685"/>
+          </a:xfrm>
+          <a:prstGeom prst="rect">
+            <a:avLst/>
+          </a:prstGeom>
+        </p:spPr>
+      </p:pic>
+    </p:spTree>
+    <p:extLst>
+      <p:ext uri="{BB962C8B-B14F-4D97-AF65-F5344CB8AC3E}">
+        <p14:creationId xmlns:p14="http://schemas.microsoft.com/office/powerpoint/2010/main" val="3827198350"/>
+      </p:ext>
+    </p:extLst>
+  </p:cSld>
+  <p:clrMapOvr>
+    <a:masterClrMapping/>
+  </p:clrMapOvr>
+  <p:timing>
+    <p:tnLst>
+      <p:par>
+        <p:cTn id="1" dur="indefinite" restart="never" nodeType="tmRoot"/>
+      </p:par>
+    </p:tnLst>
+  </p:timing>
+</p:sld>
+</file>
+
+<file path=ppt/slides/slide7.xml><?xml version="1.0" encoding="utf-8"?>
+<p:sld xmlns:a="http://schemas.openxmlformats.org/drawingml/2006/main" xmlns:r="http://schemas.openxmlformats.org/officeDocument/2006/relationships" xmlns:p="http://schemas.openxmlformats.org/presentationml/2006/main">
+  <p:cSld>
+    <p:spTree>
+      <p:nvGrpSpPr>
+        <p:cNvPr id="1" name=""/>
+        <p:cNvGrpSpPr/>
+        <p:nvPr/>
+      </p:nvGrpSpPr>
+      <p:grpSpPr>
+        <a:xfrm>
+          <a:off x="0" y="0"/>
+          <a:ext cx="0" cy="0"/>
+          <a:chOff x="0" y="0"/>
+          <a:chExt cx="0" cy="0"/>
+        </a:xfrm>
+      </p:grpSpPr>
+      <p:sp>
+        <p:nvSpPr>
+          <p:cNvPr id="10" name="Title 9"/>
+          <p:cNvSpPr>
+            <a:spLocks noGrp="1"/>
+          </p:cNvSpPr>
+          <p:nvPr>
+            <p:ph type="title"/>
+          </p:nvPr>
+        </p:nvSpPr>
+        <p:spPr/>
+        <p:txBody>
+          <a:bodyPr/>
+          <a:lstStyle/>
+          <a:p>
+            <a:r>
+              <a:rPr lang="en-GB" dirty="0" smtClean="0"/>
+              <a:t>Mesh creation</a:t>
+            </a:r>
+            <a:endParaRPr lang="en-GB" dirty="0"/>
+          </a:p>
+        </p:txBody>
+      </p:sp>
+      <p:pic>
+        <p:nvPicPr>
+          <p:cNvPr id="12" name="Content Placeholder 11"/>
+          <p:cNvPicPr>
+            <a:picLocks noGrp="1" noChangeAspect="1"/>
+          </p:cNvPicPr>
+          <p:nvPr>
+            <p:ph sz="quarter" idx="10"/>
+          </p:nvPr>
+        </p:nvPicPr>
+        <p:blipFill>
+          <a:blip r:embed="rId2">
+            <a:extLst>
+              <a:ext uri="{28A0092B-C50C-407E-A947-70E740481C1C}">
+                <a14:useLocalDpi xmlns:a14="http://schemas.microsoft.com/office/drawing/2010/main" val="0"/>
+              </a:ext>
+            </a:extLst>
+          </a:blip>
+          <a:stretch>
+            <a:fillRect/>
+          </a:stretch>
+        </p:blipFill>
+        <p:spPr>
+          <a:xfrm>
+            <a:off x="945304" y="1484313"/>
+            <a:ext cx="10439504" cy="4344987"/>
+          </a:xfrm>
+        </p:spPr>
+      </p:pic>
+    </p:spTree>
+    <p:extLst>
+      <p:ext uri="{BB962C8B-B14F-4D97-AF65-F5344CB8AC3E}">
+        <p14:creationId xmlns:p14="http://schemas.microsoft.com/office/powerpoint/2010/main" val="1335558677"/>
+      </p:ext>
+    </p:extLst>
+  </p:cSld>
+  <p:clrMapOvr>
+    <a:masterClrMapping/>
+  </p:clrMapOvr>
+  <p:timing>
+    <p:tnLst>
+      <p:par>
+        <p:cTn id="1" dur="indefinite" restart="never" nodeType="tmRoot"/>
+      </p:par>
+    </p:tnLst>
+  </p:timing>
+</p:sld>
+</file>
+
+<file path=ppt/slides/slide8.xml><?xml version="1.0" encoding="utf-8"?>
+<p:sld xmlns:a="http://schemas.openxmlformats.org/drawingml/2006/main" xmlns:r="http://schemas.openxmlformats.org/officeDocument/2006/relationships" xmlns:p="http://schemas.openxmlformats.org/presentationml/2006/main">
+  <p:cSld>
+    <p:spTree>
+      <p:nvGrpSpPr>
+        <p:cNvPr id="1" name=""/>
+        <p:cNvGrpSpPr/>
+        <p:nvPr/>
+      </p:nvGrpSpPr>
+      <p:grpSpPr>
+        <a:xfrm>
+          <a:off x="0" y="0"/>
+          <a:ext cx="0" cy="0"/>
+          <a:chOff x="0" y="0"/>
+          <a:chExt cx="0" cy="0"/>
+        </a:xfrm>
+      </p:grpSpPr>
+      <p:sp>
+        <p:nvSpPr>
+          <p:cNvPr id="2" name="Title 1"/>
+          <p:cNvSpPr>
+            <a:spLocks noGrp="1"/>
+          </p:cNvSpPr>
+          <p:nvPr>
+            <p:ph type="title"/>
+          </p:nvPr>
+        </p:nvSpPr>
+        <p:spPr/>
+        <p:txBody>
+          <a:bodyPr/>
+          <a:lstStyle/>
+          <a:p>
+            <a:r>
+              <a:rPr lang="en-GB" dirty="0" smtClean="0"/>
+              <a:t>Boundary conditions</a:t>
+            </a:r>
+            <a:endParaRPr lang="en-GB" dirty="0"/>
+          </a:p>
+        </p:txBody>
+      </p:sp>
+      <p:pic>
+        <p:nvPicPr>
+          <p:cNvPr id="4" name="Content Placeholder 3"/>
+          <p:cNvPicPr>
+            <a:picLocks noGrp="1" noChangeAspect="1"/>
+          </p:cNvPicPr>
+          <p:nvPr>
+            <p:ph sz="quarter" idx="10"/>
+          </p:nvPr>
+        </p:nvPicPr>
+        <p:blipFill>
+          <a:blip r:embed="rId2">
+            <a:extLst>
+              <a:ext uri="{28A0092B-C50C-407E-A947-70E740481C1C}">
+                <a14:useLocalDpi xmlns:a14="http://schemas.microsoft.com/office/drawing/2010/main" val="0"/>
+              </a:ext>
+            </a:extLst>
+          </a:blip>
+          <a:stretch>
+            <a:fillRect/>
+          </a:stretch>
+        </p:blipFill>
+        <p:spPr>
+          <a:xfrm>
+            <a:off x="2926922" y="2078098"/>
+            <a:ext cx="5819775" cy="1552575"/>
+          </a:xfrm>
+        </p:spPr>
+      </p:pic>
+      <p:sp>
+        <p:nvSpPr>
+          <p:cNvPr id="5" name="TextBox 4"/>
+          <p:cNvSpPr txBox="1"/>
+          <p:nvPr/>
+        </p:nvSpPr>
+        <p:spPr>
+          <a:xfrm>
+            <a:off x="1391139" y="2854385"/>
+            <a:ext cx="1750646" cy="590931"/>
+          </a:xfrm>
+          <a:prstGeom prst="rect">
+            <a:avLst/>
+          </a:prstGeom>
+          <a:noFill/>
+        </p:spPr>
+        <p:txBody>
+          <a:bodyPr wrap="square" rtlCol="0">
+            <a:spAutoFit/>
+          </a:bodyPr>
+          <a:lstStyle/>
+          <a:p>
+            <a:r>
+              <a:rPr lang="en-GB" dirty="0" smtClean="0"/>
+              <a:t>Inlet velocity magnitude</a:t>
+            </a:r>
+            <a:endParaRPr lang="en-GB" dirty="0"/>
+          </a:p>
+        </p:txBody>
+      </p:sp>
+      <p:sp>
+        <p:nvSpPr>
+          <p:cNvPr id="6" name="TextBox 5"/>
+          <p:cNvSpPr txBox="1"/>
+          <p:nvPr/>
+        </p:nvSpPr>
+        <p:spPr>
+          <a:xfrm>
+            <a:off x="5177692" y="1600704"/>
+            <a:ext cx="1750646" cy="341632"/>
+          </a:xfrm>
+          <a:prstGeom prst="rect">
+            <a:avLst/>
+          </a:prstGeom>
+          <a:noFill/>
+        </p:spPr>
+        <p:txBody>
+          <a:bodyPr wrap="square" rtlCol="0">
+            <a:spAutoFit/>
+          </a:bodyPr>
+          <a:lstStyle/>
+          <a:p>
+            <a:r>
+              <a:rPr lang="en-GB" dirty="0" smtClean="0"/>
+              <a:t>No slip</a:t>
+            </a:r>
+            <a:endParaRPr lang="en-GB" dirty="0"/>
+          </a:p>
+        </p:txBody>
+      </p:sp>
+      <p:sp>
+        <p:nvSpPr>
+          <p:cNvPr id="7" name="TextBox 6"/>
+          <p:cNvSpPr txBox="1"/>
+          <p:nvPr/>
+        </p:nvSpPr>
+        <p:spPr>
+          <a:xfrm>
+            <a:off x="8750604" y="2917596"/>
+            <a:ext cx="1750646" cy="341632"/>
+          </a:xfrm>
+          <a:prstGeom prst="rect">
+            <a:avLst/>
+          </a:prstGeom>
+          <a:noFill/>
+        </p:spPr>
+        <p:txBody>
+          <a:bodyPr wrap="square" rtlCol="0">
+            <a:spAutoFit/>
+          </a:bodyPr>
+          <a:lstStyle/>
+          <a:p>
+            <a:r>
+              <a:rPr lang="en-GB" dirty="0" smtClean="0"/>
+              <a:t>Pressure outlet</a:t>
+            </a:r>
+            <a:endParaRPr lang="en-GB" dirty="0"/>
+          </a:p>
+        </p:txBody>
+      </p:sp>
+    </p:spTree>
+    <p:extLst>
+      <p:ext uri="{BB962C8B-B14F-4D97-AF65-F5344CB8AC3E}">
+        <p14:creationId xmlns:p14="http://schemas.microsoft.com/office/powerpoint/2010/main" val="2246336110"/>
+      </p:ext>
+    </p:extLst>
+  </p:cSld>
+  <p:clrMapOvr>
+    <a:masterClrMapping/>
+  </p:clrMapOvr>
+  <p:timing>
+    <p:tnLst>
+      <p:par>
+        <p:cTn id="1" dur="indefinite" restart="never" nodeType="tmRoot"/>
+      </p:par>
+    </p:tnLst>
+  </p:timing>
+</p:sld>
+</file>
+
+<file path=ppt/slides/slide9.xml><?xml version="1.0" encoding="utf-8"?>
+<p:sld xmlns:a="http://schemas.openxmlformats.org/drawingml/2006/main" xmlns:r="http://schemas.openxmlformats.org/officeDocument/2006/relationships" xmlns:p="http://schemas.openxmlformats.org/presentationml/2006/main">
+  <p:cSld>
+    <p:spTree>
+      <p:nvGrpSpPr>
+        <p:cNvPr id="1" name=""/>
+        <p:cNvGrpSpPr/>
+        <p:nvPr/>
+      </p:nvGrpSpPr>
+      <p:grpSpPr>
+        <a:xfrm>
+          <a:off x="0" y="0"/>
+          <a:ext cx="0" cy="0"/>
+          <a:chOff x="0" y="0"/>
+          <a:chExt cx="0" cy="0"/>
+        </a:xfrm>
+      </p:grpSpPr>
+      <p:sp>
+        <p:nvSpPr>
+          <p:cNvPr id="2" name="Title 1"/>
+          <p:cNvSpPr>
+            <a:spLocks noGrp="1"/>
+          </p:cNvSpPr>
+          <p:nvPr>
+            <p:ph type="title"/>
+          </p:nvPr>
+        </p:nvSpPr>
+        <p:spPr/>
+        <p:txBody>
+          <a:bodyPr/>
+          <a:lstStyle/>
+          <a:p>
+            <a:r>
+              <a:rPr lang="en-GB" dirty="0" smtClean="0"/>
               <a:t>Experimental setup</a:t>
             </a:r>
             <a:endParaRPr lang="en-GB" dirty="0"/>
@@ -7525,8 +9751,8 @@
           </a:prstGeom>
         </p:spPr>
       </p:pic>
-      <mc:AlternateContent xmlns:mc="http://schemas.openxmlformats.org/markup-compatibility/2006">
-        <mc:Choice xmlns:a14="http://schemas.microsoft.com/office/drawing/2010/main" Requires="a14">
+      <mc:AlternateContent xmlns:mc="http://schemas.openxmlformats.org/markup-compatibility/2006" xmlns:a14="http://schemas.microsoft.com/office/drawing/2010/main">
+        <mc:Choice Requires="a14">
           <p:sp>
             <p:nvSpPr>
               <p:cNvPr id="3" name="Text Placeholder 2"/>
@@ -7617,7 +9843,7 @@
                     <m:sSup>
                       <m:sSupPr>
                         <m:ctrlPr>
-                          <a:rPr lang="de-DE" b="0" i="0" smtClean="0">
+                          <a:rPr lang="de-DE" b="0" i="1" smtClean="0">
                             <a:latin typeface="Cambria Math" panose="02040503050406030204" pitchFamily="18" charset="0"/>
                           </a:rPr>
                         </m:ctrlPr>
@@ -7651,7 +9877,7 @@
                     <m:sSup>
                       <m:sSupPr>
                         <m:ctrlPr>
-                          <a:rPr lang="de-DE" b="0" i="0" smtClean="0">
+                          <a:rPr lang="de-DE" b="0" i="1" smtClean="0">
                             <a:latin typeface="Cambria Math" panose="02040503050406030204" pitchFamily="18" charset="0"/>
                           </a:rPr>
                         </m:ctrlPr>
@@ -7731,7 +9957,7 @@
             </p:txBody>
           </p:sp>
         </mc:Choice>
-        <mc:Fallback>
+        <mc:Fallback xmlns="">
           <p:sp>
             <p:nvSpPr>
               <p:cNvPr id="3" name="Text Placeholder 2"/>
@@ -8367,632 +10593,6 @@
     <p:bldLst>
       <p:bldP spid="3" grpId="0" uiExpand="1" build="p"/>
     </p:bldLst>
-  </p:timing>
-</p:sld>
-</file>
-
-<file path=ppt/slides/slide6.xml><?xml version="1.0" encoding="utf-8"?>
-<p:sld xmlns:a="http://schemas.openxmlformats.org/drawingml/2006/main" xmlns:r="http://schemas.openxmlformats.org/officeDocument/2006/relationships" xmlns:p="http://schemas.openxmlformats.org/presentationml/2006/main">
-  <p:cSld>
-    <p:spTree>
-      <p:nvGrpSpPr>
-        <p:cNvPr id="1" name=""/>
-        <p:cNvGrpSpPr/>
-        <p:nvPr/>
-      </p:nvGrpSpPr>
-      <p:grpSpPr>
-        <a:xfrm>
-          <a:off x="0" y="0"/>
-          <a:ext cx="0" cy="0"/>
-          <a:chOff x="0" y="0"/>
-          <a:chExt cx="0" cy="0"/>
-        </a:xfrm>
-      </p:grpSpPr>
-      <p:sp>
-        <p:nvSpPr>
-          <p:cNvPr id="2" name="Title 1"/>
-          <p:cNvSpPr>
-            <a:spLocks noGrp="1"/>
-          </p:cNvSpPr>
-          <p:nvPr>
-            <p:ph type="title"/>
-          </p:nvPr>
-        </p:nvSpPr>
-        <p:spPr/>
-        <p:txBody>
-          <a:bodyPr/>
-          <a:lstStyle/>
-          <a:p>
-            <a:r>
-              <a:rPr lang="de-DE" dirty="0" err="1" smtClean="0"/>
-              <a:t>Mesh</a:t>
-            </a:r>
-            <a:r>
-              <a:rPr lang="de-DE" dirty="0" smtClean="0"/>
-              <a:t> </a:t>
-            </a:r>
-            <a:r>
-              <a:rPr lang="de-DE" dirty="0" err="1" smtClean="0"/>
-              <a:t>dependency</a:t>
-            </a:r>
-            <a:r>
-              <a:rPr lang="de-DE" dirty="0" smtClean="0"/>
-              <a:t> </a:t>
-            </a:r>
-            <a:r>
-              <a:rPr lang="de-DE" dirty="0" err="1" smtClean="0"/>
-              <a:t>and</a:t>
-            </a:r>
-            <a:r>
-              <a:rPr lang="de-DE" dirty="0" smtClean="0"/>
-              <a:t> </a:t>
-            </a:r>
-            <a:r>
-              <a:rPr lang="de-DE" dirty="0" err="1" smtClean="0"/>
-              <a:t>validation</a:t>
-            </a:r>
-            <a:endParaRPr lang="de-DE" dirty="0"/>
-          </a:p>
-        </p:txBody>
-      </p:sp>
-      <p:sp>
-        <p:nvSpPr>
-          <p:cNvPr id="4" name="Text Placeholder 3"/>
-          <p:cNvSpPr>
-            <a:spLocks noGrp="1"/>
-          </p:cNvSpPr>
-          <p:nvPr>
-            <p:ph type="body" sz="quarter" idx="10"/>
-          </p:nvPr>
-        </p:nvSpPr>
-        <p:spPr/>
-        <p:txBody>
-          <a:bodyPr/>
-          <a:lstStyle/>
-          <a:p>
-            <a:pPr marL="285750" indent="-285750">
-              <a:buFont typeface="Arial" panose="020B0604020202020204" pitchFamily="34" charset="0"/>
-              <a:buChar char="•"/>
-            </a:pPr>
-            <a:r>
-              <a:rPr lang="de-DE" dirty="0" smtClean="0"/>
-              <a:t>Different </a:t>
-            </a:r>
-            <a:r>
-              <a:rPr lang="de-DE" dirty="0" err="1" smtClean="0"/>
-              <a:t>mesh</a:t>
-            </a:r>
-            <a:r>
-              <a:rPr lang="de-DE" dirty="0" smtClean="0"/>
-              <a:t> </a:t>
-            </a:r>
-            <a:r>
-              <a:rPr lang="de-DE" dirty="0" err="1" smtClean="0"/>
-              <a:t>densities</a:t>
-            </a:r>
-            <a:r>
-              <a:rPr lang="de-DE" dirty="0" smtClean="0"/>
-              <a:t> </a:t>
-            </a:r>
-            <a:r>
-              <a:rPr lang="en-GB" dirty="0" smtClean="0"/>
-              <a:t>investigated</a:t>
-            </a:r>
-          </a:p>
-        </p:txBody>
-      </p:sp>
-      <p:sp>
-        <p:nvSpPr>
-          <p:cNvPr id="5" name="Text Placeholder 4"/>
-          <p:cNvSpPr>
-            <a:spLocks noGrp="1"/>
-          </p:cNvSpPr>
-          <p:nvPr>
-            <p:ph type="body" sz="quarter" idx="11"/>
-          </p:nvPr>
-        </p:nvSpPr>
-        <p:spPr/>
-        <p:txBody>
-          <a:bodyPr/>
-          <a:lstStyle/>
-          <a:p>
-            <a:pPr marL="285750" indent="-285750">
-              <a:buFont typeface="Arial" panose="020B0604020202020204" pitchFamily="34" charset="0"/>
-              <a:buChar char="•"/>
-            </a:pPr>
-            <a:r>
-              <a:rPr lang="de-DE" dirty="0" smtClean="0"/>
-              <a:t>Validation </a:t>
-            </a:r>
-            <a:r>
-              <a:rPr lang="en-GB" dirty="0" smtClean="0"/>
-              <a:t>against</a:t>
-            </a:r>
-            <a:r>
-              <a:rPr lang="de-DE" dirty="0" smtClean="0"/>
-              <a:t> </a:t>
-            </a:r>
-            <a:r>
-              <a:rPr lang="de-DE" noProof="1" smtClean="0"/>
-              <a:t>existing</a:t>
-            </a:r>
-            <a:r>
-              <a:rPr lang="de-DE" dirty="0" smtClean="0"/>
-              <a:t> </a:t>
-            </a:r>
-            <a:r>
-              <a:rPr lang="de-DE" dirty="0" smtClean="0"/>
-              <a:t>experimental </a:t>
-            </a:r>
-            <a:r>
-              <a:rPr lang="en-GB" dirty="0" smtClean="0"/>
-              <a:t>data</a:t>
-            </a:r>
-            <a:r>
-              <a:rPr lang="de-DE" dirty="0" smtClean="0"/>
-              <a:t> </a:t>
-            </a:r>
-            <a:endParaRPr lang="de-DE" dirty="0"/>
-          </a:p>
-        </p:txBody>
-      </p:sp>
-      <p:pic>
-        <p:nvPicPr>
-          <p:cNvPr id="6" name="Picture 5"/>
-          <p:cNvPicPr>
-            <a:picLocks noChangeAspect="1"/>
-          </p:cNvPicPr>
-          <p:nvPr/>
-        </p:nvPicPr>
-        <p:blipFill>
-          <a:blip r:embed="rId2" cstate="print">
-            <a:extLst>
-              <a:ext uri="{28A0092B-C50C-407E-A947-70E740481C1C}">
-                <a14:useLocalDpi xmlns:a14="http://schemas.microsoft.com/office/drawing/2010/main" val="0"/>
-              </a:ext>
-            </a:extLst>
-          </a:blip>
-          <a:stretch>
-            <a:fillRect/>
-          </a:stretch>
-        </p:blipFill>
-        <p:spPr>
-          <a:xfrm>
-            <a:off x="874712" y="2038343"/>
-            <a:ext cx="4680000" cy="3240000"/>
-          </a:xfrm>
-          <a:prstGeom prst="rect">
-            <a:avLst/>
-          </a:prstGeom>
-        </p:spPr>
-      </p:pic>
-      <p:pic>
-        <p:nvPicPr>
-          <p:cNvPr id="3" name="Picture 2"/>
-          <p:cNvPicPr>
-            <a:picLocks noChangeAspect="1"/>
-          </p:cNvPicPr>
-          <p:nvPr/>
-        </p:nvPicPr>
-        <p:blipFill>
-          <a:blip r:embed="rId3" cstate="print">
-            <a:extLst>
-              <a:ext uri="{28A0092B-C50C-407E-A947-70E740481C1C}">
-                <a14:useLocalDpi xmlns:a14="http://schemas.microsoft.com/office/drawing/2010/main" val="0"/>
-              </a:ext>
-            </a:extLst>
-          </a:blip>
-          <a:stretch>
-            <a:fillRect/>
-          </a:stretch>
-        </p:blipFill>
-        <p:spPr>
-          <a:xfrm>
-            <a:off x="6469178" y="2038343"/>
-            <a:ext cx="4680000" cy="3240000"/>
-          </a:xfrm>
-          <a:prstGeom prst="rect">
-            <a:avLst/>
-          </a:prstGeom>
-        </p:spPr>
-      </p:pic>
-    </p:spTree>
-    <p:extLst>
-      <p:ext uri="{BB962C8B-B14F-4D97-AF65-F5344CB8AC3E}">
-        <p14:creationId xmlns:p14="http://schemas.microsoft.com/office/powerpoint/2010/main" val="786727313"/>
-      </p:ext>
-    </p:extLst>
-  </p:cSld>
-  <p:clrMapOvr>
-    <a:masterClrMapping/>
-  </p:clrMapOvr>
-  <p:timing>
-    <p:tnLst>
-      <p:par>
-        <p:cTn id="1" dur="indefinite" restart="never" nodeType="tmRoot"/>
-      </p:par>
-    </p:tnLst>
-  </p:timing>
-</p:sld>
-</file>
-
-<file path=ppt/slides/slide7.xml><?xml version="1.0" encoding="utf-8"?>
-<p:sld xmlns:a="http://schemas.openxmlformats.org/drawingml/2006/main" xmlns:r="http://schemas.openxmlformats.org/officeDocument/2006/relationships" xmlns:p="http://schemas.openxmlformats.org/presentationml/2006/main">
-  <p:cSld>
-    <p:spTree>
-      <p:nvGrpSpPr>
-        <p:cNvPr id="1" name=""/>
-        <p:cNvGrpSpPr/>
-        <p:nvPr/>
-      </p:nvGrpSpPr>
-      <p:grpSpPr>
-        <a:xfrm>
-          <a:off x="0" y="0"/>
-          <a:ext cx="0" cy="0"/>
-          <a:chOff x="0" y="0"/>
-          <a:chExt cx="0" cy="0"/>
-        </a:xfrm>
-      </p:grpSpPr>
-      <p:sp>
-        <p:nvSpPr>
-          <p:cNvPr id="2" name="Title 1"/>
-          <p:cNvSpPr>
-            <a:spLocks noGrp="1"/>
-          </p:cNvSpPr>
-          <p:nvPr>
-            <p:ph type="title"/>
-          </p:nvPr>
-        </p:nvSpPr>
-        <p:spPr/>
-        <p:txBody>
-          <a:bodyPr/>
-          <a:lstStyle/>
-          <a:p>
-            <a:r>
-              <a:rPr lang="en-GB" dirty="0" smtClean="0"/>
-              <a:t>Taylor dispersion</a:t>
-            </a:r>
-            <a:endParaRPr lang="en-GB" dirty="0"/>
-          </a:p>
-        </p:txBody>
-      </p:sp>
-      <p:sp>
-        <p:nvSpPr>
-          <p:cNvPr id="3" name="Text Placeholder 2"/>
-          <p:cNvSpPr>
-            <a:spLocks noGrp="1"/>
-          </p:cNvSpPr>
-          <p:nvPr>
-            <p:ph type="body" sz="quarter" idx="10"/>
-          </p:nvPr>
-        </p:nvSpPr>
-        <p:spPr/>
-        <p:txBody>
-          <a:bodyPr/>
-          <a:lstStyle/>
-          <a:p>
-            <a:pPr marL="285750" indent="-285750">
-              <a:buFont typeface="Arial" panose="020B0604020202020204" pitchFamily="34" charset="0"/>
-              <a:buChar char="•"/>
-            </a:pPr>
-            <a:r>
-              <a:rPr lang="en-GB" dirty="0" smtClean="0"/>
-              <a:t>Spreading in space and time</a:t>
-            </a:r>
-          </a:p>
-          <a:p>
-            <a:pPr marL="681692" lvl="1" indent="-285750">
-              <a:buFont typeface="Arial" panose="020B0604020202020204" pitchFamily="34" charset="0"/>
-              <a:buChar char="•"/>
-            </a:pPr>
-            <a:r>
-              <a:rPr lang="en-GB" dirty="0" smtClean="0"/>
-              <a:t>Spreading of a front in a pipe</a:t>
-            </a:r>
-            <a:endParaRPr lang="en-GB" dirty="0"/>
-          </a:p>
-        </p:txBody>
-      </p:sp>
-      <p:sp>
-        <p:nvSpPr>
-          <p:cNvPr id="8" name="Text Placeholder 7"/>
-          <p:cNvSpPr>
-            <a:spLocks noGrp="1"/>
-          </p:cNvSpPr>
-          <p:nvPr>
-            <p:ph type="body" sz="quarter" idx="11"/>
-          </p:nvPr>
-        </p:nvSpPr>
-        <p:spPr/>
-        <p:txBody>
-          <a:bodyPr/>
-          <a:lstStyle/>
-          <a:p>
-            <a:pPr marL="285750" indent="-285750">
-              <a:buFont typeface="Arial" panose="020B0604020202020204" pitchFamily="34" charset="0"/>
-              <a:buChar char="•"/>
-            </a:pPr>
-            <a:endParaRPr lang="en-GB" dirty="0" smtClean="0"/>
-          </a:p>
-          <a:p>
-            <a:pPr marL="681692" lvl="1" indent="-285750">
-              <a:buFont typeface="Arial" panose="020B0604020202020204" pitchFamily="34" charset="0"/>
-              <a:buChar char="•"/>
-            </a:pPr>
-            <a:r>
-              <a:rPr lang="en-GB" dirty="0" smtClean="0"/>
-              <a:t>Spreading of gap averaged values</a:t>
-            </a:r>
-            <a:endParaRPr lang="en-GB" dirty="0"/>
-          </a:p>
-        </p:txBody>
-      </p:sp>
-      <p:pic>
-        <p:nvPicPr>
-          <p:cNvPr id="6" name="Picture 5"/>
-          <p:cNvPicPr>
-            <a:picLocks noChangeAspect="1"/>
-          </p:cNvPicPr>
-          <p:nvPr/>
-        </p:nvPicPr>
-        <p:blipFill>
-          <a:blip r:embed="rId2">
-            <a:extLst>
-              <a:ext uri="{28A0092B-C50C-407E-A947-70E740481C1C}">
-                <a14:useLocalDpi xmlns:a14="http://schemas.microsoft.com/office/drawing/2010/main" val="0"/>
-              </a:ext>
-            </a:extLst>
-          </a:blip>
-          <a:stretch>
-            <a:fillRect/>
-          </a:stretch>
-        </p:blipFill>
-        <p:spPr>
-          <a:xfrm>
-            <a:off x="714864" y="2915139"/>
-            <a:ext cx="5515584" cy="1303978"/>
-          </a:xfrm>
-          <a:prstGeom prst="rect">
-            <a:avLst/>
-          </a:prstGeom>
-        </p:spPr>
-      </p:pic>
-      <p:pic>
-        <p:nvPicPr>
-          <p:cNvPr id="7" name="Picture 6"/>
-          <p:cNvPicPr>
-            <a:picLocks noChangeAspect="1"/>
-          </p:cNvPicPr>
-          <p:nvPr/>
-        </p:nvPicPr>
-        <p:blipFill>
-          <a:blip r:embed="rId3">
-            <a:extLst>
-              <a:ext uri="{28A0092B-C50C-407E-A947-70E740481C1C}">
-                <a14:useLocalDpi xmlns:a14="http://schemas.microsoft.com/office/drawing/2010/main" val="0"/>
-              </a:ext>
-            </a:extLst>
-          </a:blip>
-          <a:stretch>
-            <a:fillRect/>
-          </a:stretch>
-        </p:blipFill>
-        <p:spPr>
-          <a:xfrm>
-            <a:off x="6267450" y="2297930"/>
-            <a:ext cx="5455628" cy="2893504"/>
-          </a:xfrm>
-          <a:prstGeom prst="rect">
-            <a:avLst/>
-          </a:prstGeom>
-        </p:spPr>
-      </p:pic>
-    </p:spTree>
-    <p:extLst>
-      <p:ext uri="{BB962C8B-B14F-4D97-AF65-F5344CB8AC3E}">
-        <p14:creationId xmlns:p14="http://schemas.microsoft.com/office/powerpoint/2010/main" val="3455068058"/>
-      </p:ext>
-    </p:extLst>
-  </p:cSld>
-  <p:clrMapOvr>
-    <a:masterClrMapping/>
-  </p:clrMapOvr>
-  <p:timing>
-    <p:tnLst>
-      <p:par>
-        <p:cTn id="1" dur="indefinite" restart="never" nodeType="tmRoot"/>
-      </p:par>
-    </p:tnLst>
-  </p:timing>
-</p:sld>
-</file>
-
-<file path=ppt/slides/slide8.xml><?xml version="1.0" encoding="utf-8"?>
-<p:sld xmlns:a="http://schemas.openxmlformats.org/drawingml/2006/main" xmlns:r="http://schemas.openxmlformats.org/officeDocument/2006/relationships" xmlns:p="http://schemas.openxmlformats.org/presentationml/2006/main">
-  <p:cSld>
-    <p:spTree>
-      <p:nvGrpSpPr>
-        <p:cNvPr id="1" name=""/>
-        <p:cNvGrpSpPr/>
-        <p:nvPr/>
-      </p:nvGrpSpPr>
-      <p:grpSpPr>
-        <a:xfrm>
-          <a:off x="0" y="0"/>
-          <a:ext cx="0" cy="0"/>
-          <a:chOff x="0" y="0"/>
-          <a:chExt cx="0" cy="0"/>
-        </a:xfrm>
-      </p:grpSpPr>
-      <p:sp>
-        <p:nvSpPr>
-          <p:cNvPr id="5" name="Rechteck 4"/>
-          <p:cNvSpPr/>
-          <p:nvPr/>
-        </p:nvSpPr>
-        <p:spPr>
-          <a:xfrm>
-            <a:off x="1524000" y="-1"/>
-            <a:ext cx="9144000" cy="6092825"/>
-          </a:xfrm>
-          <a:prstGeom prst="rect">
-            <a:avLst/>
-          </a:prstGeom>
-          <a:gradFill>
-            <a:gsLst>
-              <a:gs pos="14000">
-                <a:schemeClr val="tx2"/>
-              </a:gs>
-              <a:gs pos="100000">
-                <a:schemeClr val="accent2"/>
-              </a:gs>
-            </a:gsLst>
-            <a:lin ang="15000000" scaled="0"/>
-          </a:gradFill>
-          <a:ln>
-            <a:noFill/>
-          </a:ln>
-        </p:spPr>
-        <p:style>
-          <a:lnRef idx="2">
-            <a:schemeClr val="accent1">
-              <a:shade val="50000"/>
-            </a:schemeClr>
-          </a:lnRef>
-          <a:fillRef idx="1">
-            <a:schemeClr val="accent1"/>
-          </a:fillRef>
-          <a:effectRef idx="0">
-            <a:schemeClr val="accent1"/>
-          </a:effectRef>
-          <a:fontRef idx="minor">
-            <a:schemeClr val="lt1"/>
-          </a:fontRef>
-        </p:style>
-        <p:txBody>
-          <a:bodyPr rtlCol="0" anchor="ctr"/>
-          <a:lstStyle/>
-          <a:p>
-            <a:pPr algn="ctr"/>
-            <a:endParaRPr lang="de-DE" dirty="0"/>
-          </a:p>
-        </p:txBody>
-      </p:sp>
-      <p:sp>
-        <p:nvSpPr>
-          <p:cNvPr id="2" name="Titel 1"/>
-          <p:cNvSpPr>
-            <a:spLocks noGrp="1"/>
-          </p:cNvSpPr>
-          <p:nvPr>
-            <p:ph type="title"/>
-          </p:nvPr>
-        </p:nvSpPr>
-        <p:spPr/>
-        <p:txBody>
-          <a:bodyPr/>
-          <a:lstStyle/>
-          <a:p>
-            <a:pPr lvl="5"/>
-            <a:r>
-              <a:rPr lang="de-DE" sz="3600" b="1" dirty="0" err="1" smtClean="0">
-                <a:solidFill>
-                  <a:schemeClr val="bg1"/>
-                </a:solidFill>
-                <a:latin typeface="+mj-lt"/>
-              </a:rPr>
-              <a:t>Thank</a:t>
-            </a:r>
-            <a:r>
-              <a:rPr lang="de-DE" sz="3600" b="1" dirty="0" smtClean="0">
-                <a:solidFill>
-                  <a:schemeClr val="bg1"/>
-                </a:solidFill>
-                <a:latin typeface="+mj-lt"/>
-              </a:rPr>
-              <a:t> </a:t>
-            </a:r>
-            <a:r>
-              <a:rPr lang="de-DE" sz="3600" b="1" dirty="0" err="1" smtClean="0">
-                <a:solidFill>
-                  <a:schemeClr val="bg1"/>
-                </a:solidFill>
-                <a:latin typeface="+mj-lt"/>
-              </a:rPr>
-              <a:t>you</a:t>
-            </a:r>
-            <a:r>
-              <a:rPr lang="de-DE" sz="3600" b="1" dirty="0" smtClean="0">
-                <a:solidFill>
-                  <a:schemeClr val="bg1"/>
-                </a:solidFill>
-                <a:latin typeface="+mj-lt"/>
-              </a:rPr>
-              <a:t> </a:t>
-            </a:r>
-            <a:r>
-              <a:rPr lang="de-DE" sz="3600" b="1" dirty="0" err="1" smtClean="0">
-                <a:solidFill>
-                  <a:schemeClr val="bg1"/>
-                </a:solidFill>
-                <a:latin typeface="+mj-lt"/>
-              </a:rPr>
-              <a:t>for</a:t>
-            </a:r>
-            <a:r>
-              <a:rPr lang="de-DE" sz="3600" b="1" dirty="0" smtClean="0">
-                <a:solidFill>
-                  <a:schemeClr val="bg1"/>
-                </a:solidFill>
-                <a:latin typeface="+mj-lt"/>
-              </a:rPr>
-              <a:t> </a:t>
-            </a:r>
-            <a:r>
-              <a:rPr lang="de-DE" sz="3600" b="1" dirty="0" err="1" smtClean="0">
-                <a:solidFill>
-                  <a:schemeClr val="bg1"/>
-                </a:solidFill>
-                <a:latin typeface="+mj-lt"/>
-              </a:rPr>
-              <a:t>attention</a:t>
-            </a:r>
-            <a:endParaRPr lang="de-DE" sz="3600" dirty="0">
-              <a:solidFill>
-                <a:schemeClr val="bg1"/>
-              </a:solidFill>
-              <a:latin typeface="+mj-lt"/>
-            </a:endParaRPr>
-          </a:p>
-        </p:txBody>
-      </p:sp>
-    </p:spTree>
-    <p:custDataLst>
-      <p:tags r:id="rId1"/>
-    </p:custDataLst>
-    <p:extLst>
-      <p:ext uri="{BB962C8B-B14F-4D97-AF65-F5344CB8AC3E}">
-        <p14:creationId xmlns:p14="http://schemas.microsoft.com/office/powerpoint/2010/main" val="1874406235"/>
-      </p:ext>
-    </p:extLst>
-  </p:cSld>
-  <p:clrMapOvr>
-    <a:masterClrMapping/>
-  </p:clrMapOvr>
-  <mc:AlternateContent xmlns:mc="http://schemas.openxmlformats.org/markup-compatibility/2006" xmlns:p14="http://schemas.microsoft.com/office/powerpoint/2010/main">
-    <mc:Choice Requires="p14">
-      <p:transition spd="slow" p14:dur="2000"/>
-    </mc:Choice>
-    <mc:Fallback xmlns="">
-      <p:transition spd="slow"/>
-    </mc:Fallback>
-  </mc:AlternateContent>
-  <p:timing>
-    <p:tnLst>
-      <p:par>
-        <p:cTn id="1" dur="indefinite" restart="never" nodeType="tmRoot"/>
-      </p:par>
-    </p:tnLst>
   </p:timing>
 </p:sld>
 </file>
